--- a/SDLC.pptx
+++ b/SDLC.pptx
@@ -28,6 +28,8 @@
     <p:sldId id="276" r:id="rId22"/>
     <p:sldId id="277" r:id="rId23"/>
     <p:sldId id="278" r:id="rId24"/>
+    <p:sldId id="279" r:id="rId25"/>
+    <p:sldId id="280" r:id="rId26"/>
   </p:sldIdLst>
   <p:sldSz cx="12192000" cy="6858000"/>
   <p:notesSz cx="6858000" cy="9144000"/>
@@ -19532,6 +19534,3890 @@
 </p:sld>
 </file>
 
+<file path=ppt/slides/slide24.xml><?xml version="1.0" encoding="utf-8"?>
+<p:sld xmlns:a="http://schemas.openxmlformats.org/drawingml/2006/main" xmlns:r="http://schemas.openxmlformats.org/officeDocument/2006/relationships" xmlns:p="http://schemas.openxmlformats.org/presentationml/2006/main">
+  <p:cSld>
+    <p:spTree>
+      <p:nvGrpSpPr>
+        <p:cNvPr id="1" name=""/>
+        <p:cNvGrpSpPr/>
+        <p:nvPr/>
+      </p:nvGrpSpPr>
+      <p:grpSpPr>
+        <a:xfrm>
+          <a:off x="0" y="0"/>
+          <a:ext cx="0" cy="0"/>
+          <a:chOff x="0" y="0"/>
+          <a:chExt cx="0" cy="0"/>
+        </a:xfrm>
+      </p:grpSpPr>
+      <p:sp>
+        <p:nvSpPr>
+          <p:cNvPr id="2" name="Title 1">
+            <a:extLst>
+              <a:ext uri="{FF2B5EF4-FFF2-40B4-BE49-F238E27FC236}">
+                <a16:creationId xmlns:a16="http://schemas.microsoft.com/office/drawing/2014/main" id="{D2E79615-6C68-B234-B517-F86760F58198}"/>
+              </a:ext>
+            </a:extLst>
+          </p:cNvPr>
+          <p:cNvSpPr>
+            <a:spLocks noGrp="1"/>
+          </p:cNvSpPr>
+          <p:nvPr>
+            <p:ph type="title"/>
+          </p:nvPr>
+        </p:nvSpPr>
+        <p:spPr/>
+        <p:txBody>
+          <a:bodyPr/>
+          <a:lstStyle/>
+          <a:p>
+            <a:r>
+              <a:rPr lang="en-TR" dirty="0"/>
+              <a:t>DevOps</a:t>
+            </a:r>
+          </a:p>
+        </p:txBody>
+      </p:sp>
+      <p:sp>
+        <p:nvSpPr>
+          <p:cNvPr id="3" name="Content Placeholder 2">
+            <a:extLst>
+              <a:ext uri="{FF2B5EF4-FFF2-40B4-BE49-F238E27FC236}">
+                <a16:creationId xmlns:a16="http://schemas.microsoft.com/office/drawing/2014/main" id="{34D0C34D-A1B2-996F-D4A7-2387DAA362BD}"/>
+              </a:ext>
+            </a:extLst>
+          </p:cNvPr>
+          <p:cNvSpPr>
+            <a:spLocks noGrp="1"/>
+          </p:cNvSpPr>
+          <p:nvPr>
+            <p:ph idx="1"/>
+          </p:nvPr>
+        </p:nvSpPr>
+        <p:spPr/>
+        <p:txBody>
+          <a:bodyPr>
+            <a:normAutofit fontScale="32500" lnSpcReduction="20000"/>
+          </a:bodyPr>
+          <a:lstStyle/>
+          <a:p>
+            <a:r>
+              <a:rPr lang="en-US" dirty="0"/>
+              <a:t>SDLC, </a:t>
+            </a:r>
+            <a:r>
+              <a:rPr lang="en-US" dirty="0" err="1"/>
+              <a:t>Yazılım</a:t>
+            </a:r>
+            <a:r>
+              <a:rPr lang="en-US" dirty="0"/>
+              <a:t> </a:t>
+            </a:r>
+            <a:r>
+              <a:rPr lang="en-US" dirty="0" err="1"/>
+              <a:t>Geliştirme</a:t>
+            </a:r>
+            <a:r>
+              <a:rPr lang="en-US" dirty="0"/>
+              <a:t> </a:t>
+            </a:r>
+            <a:r>
+              <a:rPr lang="en-US" dirty="0" err="1"/>
+              <a:t>Yaşam</a:t>
+            </a:r>
+            <a:r>
+              <a:rPr lang="en-US" dirty="0"/>
+              <a:t> </a:t>
+            </a:r>
+            <a:r>
+              <a:rPr lang="en-US" dirty="0" err="1"/>
+              <a:t>Döngüsü'nün</a:t>
+            </a:r>
+            <a:r>
+              <a:rPr lang="en-US" dirty="0"/>
+              <a:t> </a:t>
+            </a:r>
+            <a:r>
+              <a:rPr lang="en-US" dirty="0" err="1"/>
+              <a:t>kısaltmasıdır</a:t>
+            </a:r>
+            <a:r>
+              <a:rPr lang="en-US" dirty="0"/>
+              <a:t>. Bir </a:t>
+            </a:r>
+            <a:r>
+              <a:rPr lang="en-US" dirty="0" err="1"/>
+              <a:t>yazılım</a:t>
+            </a:r>
+            <a:r>
+              <a:rPr lang="en-US" dirty="0"/>
+              <a:t> </a:t>
+            </a:r>
+            <a:r>
+              <a:rPr lang="en-US" dirty="0" err="1"/>
+              <a:t>projesinin</a:t>
+            </a:r>
+            <a:r>
+              <a:rPr lang="en-US" dirty="0"/>
+              <a:t> </a:t>
+            </a:r>
+            <a:r>
+              <a:rPr lang="en-US" dirty="0" err="1"/>
+              <a:t>başlangıcından</a:t>
+            </a:r>
+            <a:r>
+              <a:rPr lang="en-US" dirty="0"/>
+              <a:t> </a:t>
+            </a:r>
+            <a:r>
+              <a:rPr lang="en-US" dirty="0" err="1"/>
+              <a:t>sonuna</a:t>
+            </a:r>
+            <a:r>
+              <a:rPr lang="en-US" dirty="0"/>
+              <a:t> </a:t>
+            </a:r>
+            <a:r>
+              <a:rPr lang="en-US" dirty="0" err="1"/>
+              <a:t>kadar</a:t>
+            </a:r>
+            <a:r>
+              <a:rPr lang="en-US" dirty="0"/>
+              <a:t> </a:t>
+            </a:r>
+            <a:r>
+              <a:rPr lang="en-US" dirty="0" err="1"/>
+              <a:t>olan</a:t>
+            </a:r>
+            <a:r>
+              <a:rPr lang="en-US" dirty="0"/>
+              <a:t> </a:t>
+            </a:r>
+            <a:r>
+              <a:rPr lang="en-US" dirty="0" err="1"/>
+              <a:t>süreci</a:t>
+            </a:r>
+            <a:r>
+              <a:rPr lang="en-US" dirty="0"/>
+              <a:t> </a:t>
+            </a:r>
+            <a:r>
+              <a:rPr lang="en-US" dirty="0" err="1"/>
+              <a:t>kapsayan</a:t>
+            </a:r>
+            <a:r>
+              <a:rPr lang="en-US" dirty="0"/>
+              <a:t> </a:t>
+            </a:r>
+            <a:r>
+              <a:rPr lang="en-US" dirty="0" err="1"/>
+              <a:t>bir</a:t>
+            </a:r>
+            <a:r>
+              <a:rPr lang="en-US" dirty="0"/>
+              <a:t> </a:t>
+            </a:r>
+            <a:r>
+              <a:rPr lang="en-US" dirty="0" err="1"/>
+              <a:t>metodolojidir</a:t>
+            </a:r>
+            <a:r>
+              <a:rPr lang="en-US" dirty="0"/>
+              <a:t>. SDLC, </a:t>
+            </a:r>
+            <a:r>
+              <a:rPr lang="en-US" dirty="0" err="1"/>
+              <a:t>yazılımın</a:t>
+            </a:r>
+            <a:r>
+              <a:rPr lang="en-US" dirty="0"/>
+              <a:t> </a:t>
+            </a:r>
+            <a:r>
+              <a:rPr lang="en-US" dirty="0" err="1"/>
+              <a:t>planlanması</a:t>
+            </a:r>
+            <a:r>
+              <a:rPr lang="en-US" dirty="0"/>
+              <a:t>, </a:t>
+            </a:r>
+            <a:r>
+              <a:rPr lang="en-US" dirty="0" err="1"/>
+              <a:t>analizi</a:t>
+            </a:r>
+            <a:r>
+              <a:rPr lang="en-US" dirty="0"/>
+              <a:t>, </a:t>
+            </a:r>
+            <a:r>
+              <a:rPr lang="en-US" dirty="0" err="1"/>
+              <a:t>tasarımı</a:t>
+            </a:r>
+            <a:r>
+              <a:rPr lang="en-US" dirty="0"/>
+              <a:t>, </a:t>
+            </a:r>
+            <a:r>
+              <a:rPr lang="en-US" dirty="0" err="1"/>
+              <a:t>geliştirilmesi</a:t>
+            </a:r>
+            <a:r>
+              <a:rPr lang="en-US" dirty="0"/>
+              <a:t>, test </a:t>
+            </a:r>
+            <a:r>
+              <a:rPr lang="en-US" dirty="0" err="1"/>
+              <a:t>edilmesi</a:t>
+            </a:r>
+            <a:r>
+              <a:rPr lang="en-US" dirty="0"/>
+              <a:t>, </a:t>
+            </a:r>
+            <a:r>
+              <a:rPr lang="en-US" dirty="0" err="1"/>
+              <a:t>dağıtılması</a:t>
+            </a:r>
+            <a:r>
+              <a:rPr lang="en-US" dirty="0"/>
+              <a:t> </a:t>
+            </a:r>
+            <a:r>
+              <a:rPr lang="en-US" dirty="0" err="1"/>
+              <a:t>ve</a:t>
+            </a:r>
+            <a:r>
+              <a:rPr lang="en-US" dirty="0"/>
+              <a:t> </a:t>
+            </a:r>
+            <a:r>
+              <a:rPr lang="en-US" dirty="0" err="1"/>
+              <a:t>bakımı</a:t>
+            </a:r>
+            <a:r>
+              <a:rPr lang="en-US" dirty="0"/>
+              <a:t> </a:t>
+            </a:r>
+            <a:r>
+              <a:rPr lang="en-US" dirty="0" err="1"/>
+              <a:t>gibi</a:t>
+            </a:r>
+            <a:r>
+              <a:rPr lang="en-US" dirty="0"/>
+              <a:t> </a:t>
+            </a:r>
+            <a:r>
+              <a:rPr lang="en-US" dirty="0" err="1"/>
+              <a:t>aşamaları</a:t>
+            </a:r>
+            <a:r>
+              <a:rPr lang="en-US" dirty="0"/>
+              <a:t> </a:t>
+            </a:r>
+            <a:r>
+              <a:rPr lang="en-US" dirty="0" err="1"/>
+              <a:t>içerir</a:t>
+            </a:r>
+            <a:r>
+              <a:rPr lang="en-US" dirty="0"/>
+              <a:t>.</a:t>
+            </a:r>
+          </a:p>
+          <a:p>
+            <a:r>
+              <a:rPr lang="en-US" dirty="0"/>
+              <a:t>Bir DevOps </a:t>
+            </a:r>
+            <a:r>
+              <a:rPr lang="en-US" dirty="0" err="1"/>
+              <a:t>mühendisi</a:t>
+            </a:r>
+            <a:r>
+              <a:rPr lang="en-US" dirty="0"/>
+              <a:t>, </a:t>
+            </a:r>
+            <a:r>
+              <a:rPr lang="en-US" dirty="0" err="1"/>
+              <a:t>yazılım</a:t>
+            </a:r>
+            <a:r>
+              <a:rPr lang="en-US" dirty="0"/>
+              <a:t> </a:t>
+            </a:r>
+            <a:r>
+              <a:rPr lang="en-US" dirty="0" err="1"/>
+              <a:t>geliştirme</a:t>
+            </a:r>
+            <a:r>
+              <a:rPr lang="en-US" dirty="0"/>
+              <a:t> </a:t>
+            </a:r>
+            <a:r>
+              <a:rPr lang="en-US" dirty="0" err="1"/>
+              <a:t>sürecindeki</a:t>
+            </a:r>
+            <a:r>
+              <a:rPr lang="en-US" dirty="0"/>
+              <a:t> her </a:t>
+            </a:r>
+            <a:r>
+              <a:rPr lang="en-US" dirty="0" err="1"/>
+              <a:t>aşamada</a:t>
+            </a:r>
+            <a:r>
+              <a:rPr lang="en-US" dirty="0"/>
+              <a:t> </a:t>
+            </a:r>
+            <a:r>
+              <a:rPr lang="en-US" dirty="0" err="1"/>
+              <a:t>aktif</a:t>
+            </a:r>
+            <a:r>
+              <a:rPr lang="en-US" dirty="0"/>
+              <a:t> </a:t>
+            </a:r>
+            <a:r>
+              <a:rPr lang="en-US" dirty="0" err="1"/>
+              <a:t>olarak</a:t>
+            </a:r>
+            <a:r>
+              <a:rPr lang="en-US" dirty="0"/>
+              <a:t> </a:t>
+            </a:r>
+            <a:r>
+              <a:rPr lang="en-US" dirty="0" err="1"/>
+              <a:t>yer</a:t>
+            </a:r>
+            <a:r>
+              <a:rPr lang="en-US" dirty="0"/>
+              <a:t> </a:t>
+            </a:r>
+            <a:r>
+              <a:rPr lang="en-US" dirty="0" err="1"/>
+              <a:t>alır</a:t>
+            </a:r>
+            <a:r>
+              <a:rPr lang="en-US" dirty="0"/>
+              <a:t> </a:t>
+            </a:r>
+            <a:r>
+              <a:rPr lang="en-US" dirty="0" err="1"/>
+              <a:t>ve</a:t>
+            </a:r>
+            <a:r>
+              <a:rPr lang="en-US" dirty="0"/>
+              <a:t> </a:t>
+            </a:r>
+            <a:r>
+              <a:rPr lang="en-US" dirty="0" err="1"/>
+              <a:t>SDLC'nin</a:t>
+            </a:r>
+            <a:r>
+              <a:rPr lang="en-US" dirty="0"/>
+              <a:t> </a:t>
+            </a:r>
+            <a:r>
+              <a:rPr lang="en-US" dirty="0" err="1"/>
+              <a:t>otomasyonu</a:t>
+            </a:r>
+            <a:r>
+              <a:rPr lang="en-US" dirty="0"/>
+              <a:t>, </a:t>
+            </a:r>
+            <a:r>
+              <a:rPr lang="en-US" dirty="0" err="1"/>
+              <a:t>sürekliliği</a:t>
+            </a:r>
+            <a:r>
+              <a:rPr lang="en-US" dirty="0"/>
+              <a:t> </a:t>
+            </a:r>
+            <a:r>
+              <a:rPr lang="en-US" dirty="0" err="1"/>
+              <a:t>ve</a:t>
+            </a:r>
+            <a:r>
+              <a:rPr lang="en-US" dirty="0"/>
+              <a:t> </a:t>
+            </a:r>
+            <a:r>
+              <a:rPr lang="en-US" dirty="0" err="1"/>
+              <a:t>işbirliğini</a:t>
+            </a:r>
+            <a:r>
+              <a:rPr lang="en-US" dirty="0"/>
+              <a:t> </a:t>
+            </a:r>
+            <a:r>
+              <a:rPr lang="en-US" dirty="0" err="1"/>
+              <a:t>sağlamak</a:t>
+            </a:r>
+            <a:r>
+              <a:rPr lang="en-US" dirty="0"/>
+              <a:t> </a:t>
+            </a:r>
+            <a:r>
+              <a:rPr lang="en-US" dirty="0" err="1"/>
+              <a:t>için</a:t>
+            </a:r>
+            <a:r>
+              <a:rPr lang="en-US" dirty="0"/>
+              <a:t> </a:t>
+            </a:r>
+            <a:r>
+              <a:rPr lang="en-US" dirty="0" err="1"/>
+              <a:t>çalışır</a:t>
+            </a:r>
+            <a:r>
+              <a:rPr lang="en-US" dirty="0"/>
+              <a:t>. </a:t>
+            </a:r>
+            <a:r>
+              <a:rPr lang="en-US" dirty="0" err="1"/>
+              <a:t>İşte</a:t>
+            </a:r>
+            <a:r>
+              <a:rPr lang="en-US" dirty="0"/>
+              <a:t> </a:t>
+            </a:r>
+            <a:r>
+              <a:rPr lang="en-US" dirty="0" err="1"/>
+              <a:t>bir</a:t>
+            </a:r>
+            <a:r>
+              <a:rPr lang="en-US" dirty="0"/>
+              <a:t> DevOps </a:t>
+            </a:r>
+            <a:r>
+              <a:rPr lang="en-US" dirty="0" err="1"/>
+              <a:t>mühendisinin</a:t>
+            </a:r>
+            <a:r>
+              <a:rPr lang="en-US" dirty="0"/>
+              <a:t> SDLC </a:t>
+            </a:r>
+            <a:r>
+              <a:rPr lang="en-US" dirty="0" err="1"/>
+              <a:t>ile</a:t>
+            </a:r>
+            <a:r>
+              <a:rPr lang="en-US" dirty="0"/>
+              <a:t> </a:t>
+            </a:r>
+            <a:r>
+              <a:rPr lang="en-US" dirty="0" err="1"/>
+              <a:t>ilişkili</a:t>
+            </a:r>
+            <a:r>
+              <a:rPr lang="en-US" dirty="0"/>
+              <a:t> </a:t>
+            </a:r>
+            <a:r>
+              <a:rPr lang="en-US" dirty="0" err="1"/>
+              <a:t>rolleri</a:t>
+            </a:r>
+            <a:r>
+              <a:rPr lang="en-US" dirty="0"/>
+              <a:t> </a:t>
+            </a:r>
+            <a:r>
+              <a:rPr lang="en-US" dirty="0" err="1"/>
+              <a:t>ve</a:t>
+            </a:r>
+            <a:r>
+              <a:rPr lang="en-US" dirty="0"/>
+              <a:t> </a:t>
+            </a:r>
+            <a:r>
+              <a:rPr lang="en-US" dirty="0" err="1"/>
+              <a:t>görevleri</a:t>
+            </a:r>
+            <a:r>
+              <a:rPr lang="en-US" dirty="0"/>
+              <a:t>:</a:t>
+            </a:r>
+          </a:p>
+          <a:p>
+            <a:r>
+              <a:rPr lang="en-US" dirty="0" err="1"/>
+              <a:t>Sürekli</a:t>
+            </a:r>
+            <a:r>
+              <a:rPr lang="en-US" dirty="0"/>
+              <a:t> </a:t>
+            </a:r>
+            <a:r>
+              <a:rPr lang="en-US" dirty="0" err="1"/>
+              <a:t>Entegrasyon</a:t>
+            </a:r>
+            <a:r>
+              <a:rPr lang="en-US" dirty="0"/>
+              <a:t> </a:t>
+            </a:r>
+            <a:r>
+              <a:rPr lang="en-US" dirty="0" err="1"/>
+              <a:t>ve</a:t>
+            </a:r>
+            <a:r>
+              <a:rPr lang="en-US" dirty="0"/>
+              <a:t> </a:t>
+            </a:r>
+            <a:r>
+              <a:rPr lang="en-US" dirty="0" err="1"/>
+              <a:t>Sürekli</a:t>
+            </a:r>
+            <a:r>
+              <a:rPr lang="en-US" dirty="0"/>
+              <a:t> </a:t>
+            </a:r>
+            <a:r>
+              <a:rPr lang="en-US" dirty="0" err="1"/>
+              <a:t>Dağıtım</a:t>
+            </a:r>
+            <a:r>
+              <a:rPr lang="en-US" dirty="0"/>
+              <a:t> (CI/CD): DevOps </a:t>
+            </a:r>
+            <a:r>
+              <a:rPr lang="en-US" dirty="0" err="1"/>
+              <a:t>mühendisi</a:t>
+            </a:r>
+            <a:r>
+              <a:rPr lang="en-US" dirty="0"/>
+              <a:t>, CI/CD </a:t>
+            </a:r>
+            <a:r>
+              <a:rPr lang="en-US" dirty="0" err="1"/>
+              <a:t>süreçlerini</a:t>
+            </a:r>
+            <a:r>
+              <a:rPr lang="en-US" dirty="0"/>
+              <a:t> </a:t>
+            </a:r>
+            <a:r>
+              <a:rPr lang="en-US" dirty="0" err="1"/>
+              <a:t>oluşturur</a:t>
+            </a:r>
+            <a:r>
+              <a:rPr lang="en-US" dirty="0"/>
+              <a:t> </a:t>
+            </a:r>
+            <a:r>
+              <a:rPr lang="en-US" dirty="0" err="1"/>
+              <a:t>ve</a:t>
+            </a:r>
+            <a:r>
+              <a:rPr lang="en-US" dirty="0"/>
+              <a:t> </a:t>
+            </a:r>
+            <a:r>
+              <a:rPr lang="en-US" dirty="0" err="1"/>
+              <a:t>yönetir</a:t>
+            </a:r>
+            <a:r>
+              <a:rPr lang="en-US" dirty="0"/>
+              <a:t>. </a:t>
+            </a:r>
+            <a:r>
+              <a:rPr lang="en-US" dirty="0" err="1"/>
+              <a:t>Yazılımın</a:t>
+            </a:r>
+            <a:r>
+              <a:rPr lang="en-US" dirty="0"/>
+              <a:t> </a:t>
+            </a:r>
+            <a:r>
+              <a:rPr lang="en-US" dirty="0" err="1"/>
+              <a:t>sürekli</a:t>
+            </a:r>
+            <a:r>
+              <a:rPr lang="en-US" dirty="0"/>
+              <a:t> </a:t>
+            </a:r>
+            <a:r>
+              <a:rPr lang="en-US" dirty="0" err="1"/>
+              <a:t>olarak</a:t>
+            </a:r>
+            <a:r>
+              <a:rPr lang="en-US" dirty="0"/>
+              <a:t> </a:t>
+            </a:r>
+            <a:r>
+              <a:rPr lang="en-US" dirty="0" err="1"/>
+              <a:t>derlenip</a:t>
+            </a:r>
+            <a:r>
+              <a:rPr lang="en-US" dirty="0"/>
+              <a:t> test </a:t>
+            </a:r>
+            <a:r>
+              <a:rPr lang="en-US" dirty="0" err="1"/>
+              <a:t>edilmesini</a:t>
+            </a:r>
+            <a:r>
+              <a:rPr lang="en-US" dirty="0"/>
+              <a:t> </a:t>
+            </a:r>
+            <a:r>
+              <a:rPr lang="en-US" dirty="0" err="1"/>
+              <a:t>ve</a:t>
+            </a:r>
+            <a:r>
+              <a:rPr lang="en-US" dirty="0"/>
+              <a:t> </a:t>
+            </a:r>
+            <a:r>
+              <a:rPr lang="en-US" dirty="0" err="1"/>
+              <a:t>otomatik</a:t>
+            </a:r>
+            <a:r>
+              <a:rPr lang="en-US" dirty="0"/>
+              <a:t> </a:t>
+            </a:r>
+            <a:r>
+              <a:rPr lang="en-US" dirty="0" err="1"/>
+              <a:t>olarak</a:t>
+            </a:r>
+            <a:r>
+              <a:rPr lang="en-US" dirty="0"/>
+              <a:t> </a:t>
+            </a:r>
+            <a:r>
+              <a:rPr lang="en-US" dirty="0" err="1"/>
+              <a:t>dağıtılmasını</a:t>
+            </a:r>
+            <a:r>
+              <a:rPr lang="en-US" dirty="0"/>
+              <a:t> </a:t>
+            </a:r>
+            <a:r>
+              <a:rPr lang="en-US" dirty="0" err="1"/>
+              <a:t>sağlar</a:t>
+            </a:r>
+            <a:r>
+              <a:rPr lang="en-US" dirty="0"/>
+              <a:t>. Bu, </a:t>
+            </a:r>
+            <a:r>
+              <a:rPr lang="en-US" dirty="0" err="1"/>
+              <a:t>hızlı</a:t>
+            </a:r>
+            <a:r>
+              <a:rPr lang="en-US" dirty="0"/>
+              <a:t> </a:t>
+            </a:r>
+            <a:r>
+              <a:rPr lang="en-US" dirty="0" err="1"/>
+              <a:t>ve</a:t>
+            </a:r>
+            <a:r>
+              <a:rPr lang="en-US" dirty="0"/>
+              <a:t> </a:t>
+            </a:r>
+            <a:r>
+              <a:rPr lang="en-US" dirty="0" err="1"/>
+              <a:t>güvenilir</a:t>
+            </a:r>
+            <a:r>
+              <a:rPr lang="en-US" dirty="0"/>
+              <a:t> </a:t>
+            </a:r>
+            <a:r>
+              <a:rPr lang="en-US" dirty="0" err="1"/>
+              <a:t>bir</a:t>
+            </a:r>
+            <a:r>
+              <a:rPr lang="en-US" dirty="0"/>
+              <a:t> </a:t>
+            </a:r>
+            <a:r>
+              <a:rPr lang="en-US" dirty="0" err="1"/>
+              <a:t>şekilde</a:t>
+            </a:r>
+            <a:r>
+              <a:rPr lang="en-US" dirty="0"/>
+              <a:t> </a:t>
+            </a:r>
+            <a:r>
+              <a:rPr lang="en-US" dirty="0" err="1"/>
+              <a:t>yazılımın</a:t>
+            </a:r>
+            <a:r>
+              <a:rPr lang="en-US" dirty="0"/>
+              <a:t> </a:t>
+            </a:r>
+            <a:r>
+              <a:rPr lang="en-US" dirty="0" err="1"/>
+              <a:t>geliştirilmesi</a:t>
+            </a:r>
+            <a:r>
+              <a:rPr lang="en-US" dirty="0"/>
+              <a:t> </a:t>
+            </a:r>
+            <a:r>
+              <a:rPr lang="en-US" dirty="0" err="1"/>
+              <a:t>ve</a:t>
+            </a:r>
+            <a:r>
+              <a:rPr lang="en-US" dirty="0"/>
+              <a:t> </a:t>
+            </a:r>
+            <a:r>
+              <a:rPr lang="en-US" dirty="0" err="1"/>
+              <a:t>kullanıma</a:t>
+            </a:r>
+            <a:r>
+              <a:rPr lang="en-US" dirty="0"/>
+              <a:t> </a:t>
+            </a:r>
+            <a:r>
+              <a:rPr lang="en-US" dirty="0" err="1"/>
+              <a:t>sunulması</a:t>
+            </a:r>
+            <a:r>
+              <a:rPr lang="en-US" dirty="0"/>
+              <a:t> </a:t>
+            </a:r>
+            <a:r>
+              <a:rPr lang="en-US" dirty="0" err="1"/>
+              <a:t>için</a:t>
+            </a:r>
+            <a:r>
+              <a:rPr lang="en-US" dirty="0"/>
+              <a:t> </a:t>
+            </a:r>
+            <a:r>
+              <a:rPr lang="en-US" dirty="0" err="1"/>
+              <a:t>önemlidir</a:t>
+            </a:r>
+            <a:r>
+              <a:rPr lang="en-US" dirty="0"/>
+              <a:t>.</a:t>
+            </a:r>
+          </a:p>
+          <a:p>
+            <a:r>
+              <a:rPr lang="en-US" dirty="0" err="1"/>
+              <a:t>Altyapı</a:t>
+            </a:r>
+            <a:r>
+              <a:rPr lang="en-US" dirty="0"/>
+              <a:t> </a:t>
+            </a:r>
+            <a:r>
+              <a:rPr lang="en-US" dirty="0" err="1"/>
+              <a:t>Yönetimi</a:t>
+            </a:r>
+            <a:r>
+              <a:rPr lang="en-US" dirty="0"/>
+              <a:t> </a:t>
+            </a:r>
+            <a:r>
+              <a:rPr lang="en-US" dirty="0" err="1"/>
+              <a:t>ve</a:t>
+            </a:r>
+            <a:r>
+              <a:rPr lang="en-US" dirty="0"/>
+              <a:t> </a:t>
+            </a:r>
+            <a:r>
+              <a:rPr lang="en-US" dirty="0" err="1"/>
+              <a:t>Otomasyonu</a:t>
+            </a:r>
+            <a:r>
+              <a:rPr lang="en-US" dirty="0"/>
+              <a:t>: DevOps </a:t>
+            </a:r>
+            <a:r>
+              <a:rPr lang="en-US" dirty="0" err="1"/>
+              <a:t>mühendisi</a:t>
+            </a:r>
+            <a:r>
+              <a:rPr lang="en-US" dirty="0"/>
+              <a:t>, </a:t>
+            </a:r>
+            <a:r>
+              <a:rPr lang="en-US" dirty="0" err="1"/>
+              <a:t>projenin</a:t>
+            </a:r>
+            <a:r>
+              <a:rPr lang="en-US" dirty="0"/>
+              <a:t> </a:t>
+            </a:r>
+            <a:r>
+              <a:rPr lang="en-US" dirty="0" err="1"/>
+              <a:t>ihtiyaç</a:t>
+            </a:r>
+            <a:r>
+              <a:rPr lang="en-US" dirty="0"/>
+              <a:t> </a:t>
+            </a:r>
+            <a:r>
+              <a:rPr lang="en-US" dirty="0" err="1"/>
+              <a:t>duyduğu</a:t>
+            </a:r>
+            <a:r>
+              <a:rPr lang="en-US" dirty="0"/>
+              <a:t> </a:t>
+            </a:r>
+            <a:r>
+              <a:rPr lang="en-US" dirty="0" err="1"/>
+              <a:t>altyapı</a:t>
+            </a:r>
+            <a:r>
+              <a:rPr lang="en-US" dirty="0"/>
+              <a:t> </a:t>
+            </a:r>
+            <a:r>
+              <a:rPr lang="en-US" dirty="0" err="1"/>
+              <a:t>kaynaklarını</a:t>
+            </a:r>
+            <a:r>
+              <a:rPr lang="en-US" dirty="0"/>
+              <a:t> (</a:t>
+            </a:r>
+            <a:r>
+              <a:rPr lang="en-US" dirty="0" err="1"/>
+              <a:t>sunucular</a:t>
+            </a:r>
+            <a:r>
+              <a:rPr lang="en-US" dirty="0"/>
+              <a:t>, </a:t>
+            </a:r>
+            <a:r>
+              <a:rPr lang="en-US" dirty="0" err="1"/>
+              <a:t>veritabanları</a:t>
+            </a:r>
+            <a:r>
+              <a:rPr lang="en-US" dirty="0"/>
+              <a:t>, </a:t>
+            </a:r>
+            <a:r>
+              <a:rPr lang="en-US" dirty="0" err="1"/>
+              <a:t>ağ</a:t>
+            </a:r>
+            <a:r>
+              <a:rPr lang="en-US" dirty="0"/>
+              <a:t> vb.) </a:t>
+            </a:r>
+            <a:r>
+              <a:rPr lang="en-US" dirty="0" err="1"/>
+              <a:t>yönetir</a:t>
+            </a:r>
+            <a:r>
+              <a:rPr lang="en-US" dirty="0"/>
+              <a:t> </a:t>
+            </a:r>
+            <a:r>
+              <a:rPr lang="en-US" dirty="0" err="1"/>
+              <a:t>ve</a:t>
+            </a:r>
+            <a:r>
+              <a:rPr lang="en-US" dirty="0"/>
+              <a:t> </a:t>
+            </a:r>
+            <a:r>
+              <a:rPr lang="en-US" dirty="0" err="1"/>
+              <a:t>otomatikleştirir</a:t>
+            </a:r>
+            <a:r>
+              <a:rPr lang="en-US" dirty="0"/>
+              <a:t>. </a:t>
+            </a:r>
+            <a:r>
+              <a:rPr lang="en-US" dirty="0" err="1"/>
+              <a:t>Altyapı</a:t>
+            </a:r>
+            <a:r>
+              <a:rPr lang="en-US" dirty="0"/>
+              <a:t> </a:t>
+            </a:r>
+            <a:r>
+              <a:rPr lang="en-US" dirty="0" err="1"/>
+              <a:t>kaynaklarının</a:t>
+            </a:r>
+            <a:r>
+              <a:rPr lang="en-US" dirty="0"/>
+              <a:t> </a:t>
+            </a:r>
+            <a:r>
+              <a:rPr lang="en-US" dirty="0" err="1"/>
+              <a:t>yönetimi</a:t>
+            </a:r>
+            <a:r>
+              <a:rPr lang="en-US" dirty="0"/>
+              <a:t> </a:t>
+            </a:r>
+            <a:r>
+              <a:rPr lang="en-US" dirty="0" err="1"/>
+              <a:t>ve</a:t>
+            </a:r>
+            <a:r>
+              <a:rPr lang="en-US" dirty="0"/>
+              <a:t> </a:t>
+            </a:r>
+            <a:r>
+              <a:rPr lang="en-US" dirty="0" err="1"/>
+              <a:t>dağıtımı</a:t>
+            </a:r>
+            <a:r>
+              <a:rPr lang="en-US" dirty="0"/>
+              <a:t> </a:t>
+            </a:r>
+            <a:r>
+              <a:rPr lang="en-US" dirty="0" err="1"/>
+              <a:t>için</a:t>
+            </a:r>
+            <a:r>
+              <a:rPr lang="en-US" dirty="0"/>
+              <a:t> </a:t>
+            </a:r>
+            <a:r>
+              <a:rPr lang="en-US" dirty="0" err="1"/>
+              <a:t>araçlar</a:t>
+            </a:r>
+            <a:r>
+              <a:rPr lang="en-US" dirty="0"/>
+              <a:t> </a:t>
+            </a:r>
+            <a:r>
+              <a:rPr lang="en-US" dirty="0" err="1"/>
+              <a:t>kullanarak</a:t>
+            </a:r>
+            <a:r>
+              <a:rPr lang="en-US" dirty="0"/>
+              <a:t> </a:t>
+            </a:r>
+            <a:r>
+              <a:rPr lang="en-US" dirty="0" err="1"/>
+              <a:t>sürecin</a:t>
+            </a:r>
+            <a:r>
+              <a:rPr lang="en-US" dirty="0"/>
+              <a:t> </a:t>
+            </a:r>
+            <a:r>
+              <a:rPr lang="en-US" dirty="0" err="1"/>
+              <a:t>verimliliğini</a:t>
+            </a:r>
+            <a:r>
+              <a:rPr lang="en-US" dirty="0"/>
+              <a:t> </a:t>
+            </a:r>
+            <a:r>
+              <a:rPr lang="en-US" dirty="0" err="1"/>
+              <a:t>artırır</a:t>
+            </a:r>
+            <a:r>
+              <a:rPr lang="en-US" dirty="0"/>
+              <a:t>.</a:t>
+            </a:r>
+          </a:p>
+          <a:p>
+            <a:r>
+              <a:rPr lang="en-US" dirty="0" err="1"/>
+              <a:t>İzleme</a:t>
+            </a:r>
+            <a:r>
+              <a:rPr lang="en-US" dirty="0"/>
+              <a:t> </a:t>
+            </a:r>
+            <a:r>
+              <a:rPr lang="en-US" dirty="0" err="1"/>
+              <a:t>ve</a:t>
+            </a:r>
+            <a:r>
+              <a:rPr lang="en-US" dirty="0"/>
+              <a:t> </a:t>
+            </a:r>
+            <a:r>
+              <a:rPr lang="en-US" dirty="0" err="1"/>
+              <a:t>Hata</a:t>
+            </a:r>
+            <a:r>
+              <a:rPr lang="en-US" dirty="0"/>
+              <a:t> </a:t>
+            </a:r>
+            <a:r>
+              <a:rPr lang="en-US" dirty="0" err="1"/>
+              <a:t>Ayıklama</a:t>
+            </a:r>
+            <a:r>
+              <a:rPr lang="en-US" dirty="0"/>
+              <a:t>: DevOps </a:t>
+            </a:r>
+            <a:r>
+              <a:rPr lang="en-US" dirty="0" err="1"/>
+              <a:t>mühendisi</a:t>
+            </a:r>
+            <a:r>
+              <a:rPr lang="en-US" dirty="0"/>
+              <a:t>, </a:t>
+            </a:r>
+            <a:r>
+              <a:rPr lang="en-US" dirty="0" err="1"/>
+              <a:t>yazılımın</a:t>
+            </a:r>
+            <a:r>
+              <a:rPr lang="en-US" dirty="0"/>
+              <a:t> </a:t>
+            </a:r>
+            <a:r>
+              <a:rPr lang="en-US" dirty="0" err="1"/>
+              <a:t>performansını</a:t>
+            </a:r>
+            <a:r>
+              <a:rPr lang="en-US" dirty="0"/>
+              <a:t>, </a:t>
+            </a:r>
+            <a:r>
+              <a:rPr lang="en-US" dirty="0" err="1"/>
+              <a:t>güvenilirliğini</a:t>
+            </a:r>
+            <a:r>
+              <a:rPr lang="en-US" dirty="0"/>
+              <a:t> </a:t>
+            </a:r>
+            <a:r>
+              <a:rPr lang="en-US" dirty="0" err="1"/>
+              <a:t>ve</a:t>
+            </a:r>
+            <a:r>
+              <a:rPr lang="en-US" dirty="0"/>
+              <a:t> </a:t>
+            </a:r>
+            <a:r>
+              <a:rPr lang="en-US" dirty="0" err="1"/>
+              <a:t>kullanılabilirliğini</a:t>
+            </a:r>
+            <a:r>
+              <a:rPr lang="en-US" dirty="0"/>
+              <a:t> </a:t>
+            </a:r>
+            <a:r>
+              <a:rPr lang="en-US" dirty="0" err="1"/>
+              <a:t>izler</a:t>
+            </a:r>
+            <a:r>
+              <a:rPr lang="en-US" dirty="0"/>
+              <a:t>. </a:t>
+            </a:r>
+            <a:r>
+              <a:rPr lang="en-US" dirty="0" err="1"/>
+              <a:t>Hata</a:t>
+            </a:r>
+            <a:r>
+              <a:rPr lang="en-US" dirty="0"/>
+              <a:t> </a:t>
+            </a:r>
+            <a:r>
+              <a:rPr lang="en-US" dirty="0" err="1"/>
+              <a:t>ve</a:t>
+            </a:r>
+            <a:r>
+              <a:rPr lang="en-US" dirty="0"/>
+              <a:t> </a:t>
+            </a:r>
+            <a:r>
+              <a:rPr lang="en-US" dirty="0" err="1"/>
+              <a:t>sorunları</a:t>
+            </a:r>
+            <a:r>
+              <a:rPr lang="en-US" dirty="0"/>
+              <a:t> </a:t>
+            </a:r>
+            <a:r>
+              <a:rPr lang="en-US" dirty="0" err="1"/>
+              <a:t>tespit</a:t>
+            </a:r>
+            <a:r>
+              <a:rPr lang="en-US" dirty="0"/>
+              <a:t> </a:t>
+            </a:r>
+            <a:r>
+              <a:rPr lang="en-US" dirty="0" err="1"/>
+              <a:t>etmek</a:t>
+            </a:r>
+            <a:r>
+              <a:rPr lang="en-US" dirty="0"/>
+              <a:t> </a:t>
+            </a:r>
+            <a:r>
+              <a:rPr lang="en-US" dirty="0" err="1"/>
+              <a:t>için</a:t>
+            </a:r>
+            <a:r>
+              <a:rPr lang="en-US" dirty="0"/>
+              <a:t> </a:t>
+            </a:r>
+            <a:r>
+              <a:rPr lang="en-US" dirty="0" err="1"/>
+              <a:t>izleme</a:t>
+            </a:r>
+            <a:r>
+              <a:rPr lang="en-US" dirty="0"/>
+              <a:t> </a:t>
+            </a:r>
+            <a:r>
+              <a:rPr lang="en-US" dirty="0" err="1"/>
+              <a:t>araçlarını</a:t>
+            </a:r>
+            <a:r>
+              <a:rPr lang="en-US" dirty="0"/>
+              <a:t> </a:t>
+            </a:r>
+            <a:r>
+              <a:rPr lang="en-US" dirty="0" err="1"/>
+              <a:t>kullanır</a:t>
+            </a:r>
+            <a:r>
+              <a:rPr lang="en-US" dirty="0"/>
+              <a:t> </a:t>
+            </a:r>
+            <a:r>
+              <a:rPr lang="en-US" dirty="0" err="1"/>
+              <a:t>ve</a:t>
+            </a:r>
+            <a:r>
+              <a:rPr lang="en-US" dirty="0"/>
+              <a:t> </a:t>
+            </a:r>
+            <a:r>
+              <a:rPr lang="en-US" dirty="0" err="1"/>
+              <a:t>gerekli</a:t>
+            </a:r>
+            <a:r>
+              <a:rPr lang="en-US" dirty="0"/>
+              <a:t> </a:t>
+            </a:r>
+            <a:r>
+              <a:rPr lang="en-US" dirty="0" err="1"/>
+              <a:t>önlemleri</a:t>
+            </a:r>
+            <a:r>
+              <a:rPr lang="en-US" dirty="0"/>
+              <a:t> </a:t>
+            </a:r>
+            <a:r>
+              <a:rPr lang="en-US" dirty="0" err="1"/>
+              <a:t>alır</a:t>
+            </a:r>
+            <a:r>
+              <a:rPr lang="en-US" dirty="0"/>
+              <a:t>. </a:t>
+            </a:r>
+            <a:r>
+              <a:rPr lang="en-US" dirty="0" err="1"/>
+              <a:t>Yazılımın</a:t>
+            </a:r>
+            <a:r>
+              <a:rPr lang="en-US" dirty="0"/>
+              <a:t> </a:t>
+            </a:r>
+            <a:r>
+              <a:rPr lang="en-US" dirty="0" err="1"/>
+              <a:t>sürekli</a:t>
+            </a:r>
+            <a:r>
+              <a:rPr lang="en-US" dirty="0"/>
+              <a:t> </a:t>
+            </a:r>
+            <a:r>
+              <a:rPr lang="en-US" dirty="0" err="1"/>
+              <a:t>olarak</a:t>
+            </a:r>
+            <a:r>
+              <a:rPr lang="en-US" dirty="0"/>
+              <a:t> </a:t>
+            </a:r>
+            <a:r>
+              <a:rPr lang="en-US" dirty="0" err="1"/>
+              <a:t>iyileştirilmesini</a:t>
+            </a:r>
+            <a:r>
+              <a:rPr lang="en-US" dirty="0"/>
+              <a:t> </a:t>
+            </a:r>
+            <a:r>
+              <a:rPr lang="en-US" dirty="0" err="1"/>
+              <a:t>ve</a:t>
+            </a:r>
+            <a:r>
+              <a:rPr lang="en-US" dirty="0"/>
+              <a:t> </a:t>
+            </a:r>
+            <a:r>
+              <a:rPr lang="en-US" dirty="0" err="1"/>
+              <a:t>sorunsuz</a:t>
+            </a:r>
+            <a:r>
+              <a:rPr lang="en-US" dirty="0"/>
+              <a:t> </a:t>
+            </a:r>
+            <a:r>
+              <a:rPr lang="en-US" dirty="0" err="1"/>
+              <a:t>çalışmasını</a:t>
+            </a:r>
+            <a:r>
+              <a:rPr lang="en-US" dirty="0"/>
+              <a:t> </a:t>
+            </a:r>
+            <a:r>
+              <a:rPr lang="en-US" dirty="0" err="1"/>
+              <a:t>sağlar</a:t>
+            </a:r>
+            <a:r>
+              <a:rPr lang="en-US" dirty="0"/>
+              <a:t>.</a:t>
+            </a:r>
+          </a:p>
+          <a:p>
+            <a:r>
+              <a:rPr lang="en-US" dirty="0" err="1"/>
+              <a:t>İşbirliği</a:t>
+            </a:r>
+            <a:r>
+              <a:rPr lang="en-US" dirty="0"/>
+              <a:t> </a:t>
+            </a:r>
+            <a:r>
+              <a:rPr lang="en-US" dirty="0" err="1"/>
+              <a:t>ve</a:t>
+            </a:r>
+            <a:r>
+              <a:rPr lang="en-US" dirty="0"/>
+              <a:t> </a:t>
+            </a:r>
+            <a:r>
+              <a:rPr lang="en-US" dirty="0" err="1"/>
+              <a:t>Ekip</a:t>
+            </a:r>
+            <a:r>
+              <a:rPr lang="en-US" dirty="0"/>
+              <a:t> </a:t>
+            </a:r>
+            <a:r>
+              <a:rPr lang="en-US" dirty="0" err="1"/>
+              <a:t>Çalışması</a:t>
+            </a:r>
+            <a:r>
+              <a:rPr lang="en-US" dirty="0"/>
+              <a:t>: DevOps </a:t>
+            </a:r>
+            <a:r>
+              <a:rPr lang="en-US" dirty="0" err="1"/>
+              <a:t>mühendisi</a:t>
+            </a:r>
+            <a:r>
+              <a:rPr lang="en-US" dirty="0"/>
+              <a:t>, </a:t>
+            </a:r>
+            <a:r>
+              <a:rPr lang="en-US" dirty="0" err="1"/>
+              <a:t>farklı</a:t>
+            </a:r>
+            <a:r>
+              <a:rPr lang="en-US" dirty="0"/>
+              <a:t> </a:t>
+            </a:r>
+            <a:r>
+              <a:rPr lang="en-US" dirty="0" err="1"/>
+              <a:t>ekipler</a:t>
+            </a:r>
+            <a:r>
+              <a:rPr lang="en-US" dirty="0"/>
+              <a:t> </a:t>
+            </a:r>
+            <a:r>
+              <a:rPr lang="en-US" dirty="0" err="1"/>
+              <a:t>arasında</a:t>
+            </a:r>
+            <a:r>
+              <a:rPr lang="en-US" dirty="0"/>
+              <a:t> </a:t>
+            </a:r>
+            <a:r>
+              <a:rPr lang="en-US" dirty="0" err="1"/>
+              <a:t>etkili</a:t>
+            </a:r>
+            <a:r>
+              <a:rPr lang="en-US" dirty="0"/>
+              <a:t> </a:t>
+            </a:r>
+            <a:r>
+              <a:rPr lang="en-US" dirty="0" err="1"/>
+              <a:t>iletişim</a:t>
+            </a:r>
+            <a:r>
+              <a:rPr lang="en-US" dirty="0"/>
+              <a:t> </a:t>
+            </a:r>
+            <a:r>
+              <a:rPr lang="en-US" dirty="0" err="1"/>
+              <a:t>ve</a:t>
+            </a:r>
+            <a:r>
+              <a:rPr lang="en-US" dirty="0"/>
+              <a:t> </a:t>
+            </a:r>
+            <a:r>
+              <a:rPr lang="en-US" dirty="0" err="1"/>
+              <a:t>işbirliğini</a:t>
+            </a:r>
+            <a:r>
+              <a:rPr lang="en-US" dirty="0"/>
+              <a:t> </a:t>
+            </a:r>
+            <a:r>
+              <a:rPr lang="en-US" dirty="0" err="1"/>
+              <a:t>sağlar</a:t>
+            </a:r>
+            <a:r>
+              <a:rPr lang="en-US" dirty="0"/>
+              <a:t>. </a:t>
+            </a:r>
+            <a:r>
+              <a:rPr lang="en-US" dirty="0" err="1"/>
+              <a:t>Geliştirme</a:t>
+            </a:r>
+            <a:r>
+              <a:rPr lang="en-US" dirty="0"/>
+              <a:t>, test, </a:t>
+            </a:r>
+            <a:r>
+              <a:rPr lang="en-US" dirty="0" err="1"/>
+              <a:t>operasyon</a:t>
+            </a:r>
+            <a:r>
+              <a:rPr lang="en-US" dirty="0"/>
+              <a:t> </a:t>
+            </a:r>
+            <a:r>
+              <a:rPr lang="en-US" dirty="0" err="1"/>
+              <a:t>ve</a:t>
+            </a:r>
+            <a:r>
+              <a:rPr lang="en-US" dirty="0"/>
+              <a:t> </a:t>
+            </a:r>
+            <a:r>
+              <a:rPr lang="en-US" dirty="0" err="1"/>
+              <a:t>diğer</a:t>
+            </a:r>
+            <a:r>
+              <a:rPr lang="en-US" dirty="0"/>
+              <a:t> </a:t>
+            </a:r>
+            <a:r>
+              <a:rPr lang="en-US" dirty="0" err="1"/>
+              <a:t>paydaşlar</a:t>
+            </a:r>
+            <a:r>
+              <a:rPr lang="en-US" dirty="0"/>
+              <a:t> </a:t>
+            </a:r>
+            <a:r>
+              <a:rPr lang="en-US" dirty="0" err="1"/>
+              <a:t>arasında</a:t>
+            </a:r>
+            <a:r>
+              <a:rPr lang="en-US" dirty="0"/>
+              <a:t> </a:t>
+            </a:r>
+            <a:r>
+              <a:rPr lang="en-US" dirty="0" err="1"/>
+              <a:t>koordinasyonu</a:t>
+            </a:r>
+            <a:r>
+              <a:rPr lang="en-US" dirty="0"/>
+              <a:t> </a:t>
+            </a:r>
+            <a:r>
+              <a:rPr lang="en-US" dirty="0" err="1"/>
+              <a:t>yönetir</a:t>
+            </a:r>
+            <a:r>
+              <a:rPr lang="en-US" dirty="0"/>
+              <a:t>. </a:t>
+            </a:r>
+            <a:r>
+              <a:rPr lang="en-US" dirty="0" err="1"/>
+              <a:t>Aynı</a:t>
+            </a:r>
+            <a:r>
+              <a:rPr lang="en-US" dirty="0"/>
+              <a:t> </a:t>
+            </a:r>
+            <a:r>
+              <a:rPr lang="en-US" dirty="0" err="1"/>
+              <a:t>zamanda</a:t>
+            </a:r>
+            <a:r>
+              <a:rPr lang="en-US" dirty="0"/>
+              <a:t>, </a:t>
+            </a:r>
+            <a:r>
+              <a:rPr lang="en-US" dirty="0" err="1"/>
+              <a:t>proje</a:t>
+            </a:r>
+            <a:r>
+              <a:rPr lang="en-US" dirty="0"/>
+              <a:t> </a:t>
+            </a:r>
+            <a:r>
+              <a:rPr lang="en-US" dirty="0" err="1"/>
+              <a:t>yönetimi</a:t>
+            </a:r>
+            <a:r>
+              <a:rPr lang="en-US" dirty="0"/>
+              <a:t> </a:t>
+            </a:r>
+            <a:r>
+              <a:rPr lang="en-US" dirty="0" err="1"/>
+              <a:t>ve</a:t>
+            </a:r>
+            <a:r>
+              <a:rPr lang="en-US" dirty="0"/>
+              <a:t> </a:t>
+            </a:r>
+            <a:r>
+              <a:rPr lang="en-US" dirty="0" err="1"/>
+              <a:t>planlama</a:t>
+            </a:r>
+            <a:r>
+              <a:rPr lang="en-US" dirty="0"/>
+              <a:t> </a:t>
+            </a:r>
+            <a:r>
+              <a:rPr lang="en-US" dirty="0" err="1"/>
+              <a:t>süreçlerine</a:t>
+            </a:r>
+            <a:r>
+              <a:rPr lang="en-US" dirty="0"/>
+              <a:t> </a:t>
+            </a:r>
+            <a:r>
+              <a:rPr lang="en-US" dirty="0" err="1"/>
+              <a:t>katkıda</a:t>
+            </a:r>
+            <a:r>
+              <a:rPr lang="en-US" dirty="0"/>
+              <a:t> </a:t>
+            </a:r>
+            <a:r>
+              <a:rPr lang="en-US" dirty="0" err="1"/>
+              <a:t>bulunur</a:t>
+            </a:r>
+            <a:r>
+              <a:rPr lang="en-US" dirty="0"/>
+              <a:t>.</a:t>
+            </a:r>
+          </a:p>
+          <a:p>
+            <a:r>
+              <a:rPr lang="en-US" dirty="0" err="1"/>
+              <a:t>Otomatik</a:t>
+            </a:r>
+            <a:r>
+              <a:rPr lang="en-US" dirty="0"/>
+              <a:t> </a:t>
+            </a:r>
+            <a:r>
+              <a:rPr lang="en-US" dirty="0" err="1"/>
+              <a:t>Testler</a:t>
+            </a:r>
+            <a:r>
+              <a:rPr lang="en-US" dirty="0"/>
+              <a:t> </a:t>
+            </a:r>
+            <a:r>
+              <a:rPr lang="en-US" dirty="0" err="1"/>
+              <a:t>ve</a:t>
+            </a:r>
+            <a:r>
+              <a:rPr lang="en-US" dirty="0"/>
+              <a:t> </a:t>
+            </a:r>
+            <a:r>
+              <a:rPr lang="en-US" dirty="0" err="1"/>
+              <a:t>Güvenlik</a:t>
+            </a:r>
+            <a:r>
+              <a:rPr lang="en-US" dirty="0"/>
+              <a:t>: DevOps </a:t>
+            </a:r>
+            <a:r>
+              <a:rPr lang="en-US" dirty="0" err="1"/>
+              <a:t>mühendisi</a:t>
+            </a:r>
+            <a:r>
+              <a:rPr lang="en-US" dirty="0"/>
+              <a:t>, </a:t>
+            </a:r>
+            <a:r>
+              <a:rPr lang="en-US" dirty="0" err="1"/>
+              <a:t>otomatik</a:t>
+            </a:r>
+            <a:r>
+              <a:rPr lang="en-US" dirty="0"/>
+              <a:t> test </a:t>
+            </a:r>
+            <a:r>
+              <a:rPr lang="en-US" dirty="0" err="1"/>
+              <a:t>süreçlerini</a:t>
+            </a:r>
+            <a:r>
+              <a:rPr lang="en-US" dirty="0"/>
+              <a:t> </a:t>
+            </a:r>
+            <a:r>
+              <a:rPr lang="en-US" dirty="0" err="1"/>
+              <a:t>tasarlar</a:t>
+            </a:r>
+            <a:r>
+              <a:rPr lang="en-US" dirty="0"/>
+              <a:t> </a:t>
+            </a:r>
+            <a:r>
+              <a:rPr lang="en-US" dirty="0" err="1"/>
+              <a:t>ve</a:t>
+            </a:r>
+            <a:r>
+              <a:rPr lang="en-US" dirty="0"/>
+              <a:t> </a:t>
+            </a:r>
+            <a:r>
+              <a:rPr lang="en-US" dirty="0" err="1"/>
+              <a:t>uygular</a:t>
+            </a:r>
+            <a:r>
+              <a:rPr lang="en-US" dirty="0"/>
+              <a:t>. </a:t>
+            </a:r>
+            <a:r>
+              <a:rPr lang="en-US" dirty="0" err="1"/>
+              <a:t>Birim</a:t>
+            </a:r>
+            <a:r>
+              <a:rPr lang="en-US" dirty="0"/>
+              <a:t> </a:t>
+            </a:r>
+            <a:r>
+              <a:rPr lang="en-US" dirty="0" err="1"/>
+              <a:t>testleri</a:t>
+            </a:r>
+            <a:r>
+              <a:rPr lang="en-US" dirty="0"/>
+              <a:t>, </a:t>
+            </a:r>
+            <a:r>
+              <a:rPr lang="en-US" dirty="0" err="1"/>
+              <a:t>entegrasyon</a:t>
+            </a:r>
+            <a:r>
+              <a:rPr lang="en-US" dirty="0"/>
+              <a:t> </a:t>
+            </a:r>
+            <a:r>
+              <a:rPr lang="en-US" dirty="0" err="1"/>
+              <a:t>testleri</a:t>
+            </a:r>
+            <a:r>
+              <a:rPr lang="en-US" dirty="0"/>
+              <a:t>, </a:t>
+            </a:r>
+            <a:r>
+              <a:rPr lang="en-US" dirty="0" err="1"/>
+              <a:t>performans</a:t>
+            </a:r>
+            <a:r>
+              <a:rPr lang="en-US" dirty="0"/>
+              <a:t> </a:t>
+            </a:r>
+            <a:r>
+              <a:rPr lang="en-US" dirty="0" err="1"/>
+              <a:t>testleri</a:t>
+            </a:r>
+            <a:r>
+              <a:rPr lang="en-US" dirty="0"/>
+              <a:t> </a:t>
+            </a:r>
+            <a:r>
+              <a:rPr lang="en-US" dirty="0" err="1"/>
+              <a:t>ve</a:t>
+            </a:r>
+            <a:r>
+              <a:rPr lang="en-US" dirty="0"/>
+              <a:t> </a:t>
+            </a:r>
+            <a:r>
+              <a:rPr lang="en-US" dirty="0" err="1"/>
+              <a:t>güvenlik</a:t>
+            </a:r>
+            <a:r>
+              <a:rPr lang="en-US" dirty="0"/>
+              <a:t> </a:t>
+            </a:r>
+            <a:r>
+              <a:rPr lang="en-US" dirty="0" err="1"/>
+              <a:t>testleri</a:t>
+            </a:r>
+            <a:r>
+              <a:rPr lang="en-US" dirty="0"/>
+              <a:t> </a:t>
+            </a:r>
+            <a:r>
+              <a:rPr lang="en-US" dirty="0" err="1"/>
+              <a:t>gibi</a:t>
+            </a:r>
+            <a:r>
+              <a:rPr lang="en-US" dirty="0"/>
+              <a:t> </a:t>
+            </a:r>
+            <a:r>
+              <a:rPr lang="en-US" dirty="0" err="1"/>
+              <a:t>farklı</a:t>
+            </a:r>
+            <a:r>
+              <a:rPr lang="en-US" dirty="0"/>
+              <a:t> </a:t>
+            </a:r>
+            <a:r>
+              <a:rPr lang="en-US" dirty="0" err="1"/>
+              <a:t>testlerin</a:t>
+            </a:r>
+            <a:r>
+              <a:rPr lang="en-US" dirty="0"/>
+              <a:t> </a:t>
+            </a:r>
+            <a:r>
+              <a:rPr lang="en-US" dirty="0" err="1"/>
+              <a:t>otomatikleştirilmesini</a:t>
+            </a:r>
+            <a:r>
+              <a:rPr lang="en-US" dirty="0"/>
+              <a:t> </a:t>
+            </a:r>
+            <a:r>
+              <a:rPr lang="en-US" dirty="0" err="1"/>
+              <a:t>sağlar</a:t>
+            </a:r>
+            <a:r>
+              <a:rPr lang="en-US" dirty="0"/>
+              <a:t>. </a:t>
+            </a:r>
+            <a:r>
+              <a:rPr lang="en-US" dirty="0" err="1"/>
+              <a:t>Aynı</a:t>
+            </a:r>
+            <a:r>
+              <a:rPr lang="en-US" dirty="0"/>
+              <a:t> </a:t>
+            </a:r>
+            <a:r>
+              <a:rPr lang="en-US" dirty="0" err="1"/>
+              <a:t>zamanda</a:t>
+            </a:r>
+            <a:r>
+              <a:rPr lang="en-US" dirty="0"/>
+              <a:t>, </a:t>
+            </a:r>
+            <a:r>
+              <a:rPr lang="en-US" dirty="0" err="1"/>
+              <a:t>yazılımın</a:t>
+            </a:r>
+            <a:r>
+              <a:rPr lang="en-US" dirty="0"/>
+              <a:t> </a:t>
+            </a:r>
+            <a:r>
+              <a:rPr lang="en-US" dirty="0" err="1"/>
+              <a:t>güvenliğini</a:t>
+            </a:r>
+            <a:r>
+              <a:rPr lang="en-US" dirty="0"/>
+              <a:t> </a:t>
+            </a:r>
+            <a:r>
+              <a:rPr lang="en-US" dirty="0" err="1"/>
+              <a:t>sağlamak</a:t>
+            </a:r>
+            <a:r>
+              <a:rPr lang="en-US" dirty="0"/>
+              <a:t> </a:t>
+            </a:r>
+            <a:r>
+              <a:rPr lang="en-US" dirty="0" err="1"/>
+              <a:t>için</a:t>
+            </a:r>
+            <a:r>
+              <a:rPr lang="en-US" dirty="0"/>
+              <a:t> </a:t>
+            </a:r>
+            <a:r>
+              <a:rPr lang="en-US" dirty="0" err="1"/>
+              <a:t>güvenlik</a:t>
+            </a:r>
+            <a:r>
+              <a:rPr lang="en-US" dirty="0"/>
+              <a:t> </a:t>
+            </a:r>
+            <a:r>
+              <a:rPr lang="en-US" dirty="0" err="1"/>
+              <a:t>önlemlerini</a:t>
+            </a:r>
+            <a:r>
+              <a:rPr lang="en-US" dirty="0"/>
+              <a:t> </a:t>
+            </a:r>
+            <a:r>
+              <a:rPr lang="en-US" dirty="0" err="1"/>
+              <a:t>ve</a:t>
+            </a:r>
+            <a:r>
+              <a:rPr lang="en-US" dirty="0"/>
+              <a:t> </a:t>
+            </a:r>
+            <a:r>
+              <a:rPr lang="en-US" dirty="0" err="1"/>
+              <a:t>sızma</a:t>
+            </a:r>
+            <a:r>
+              <a:rPr lang="en-US" dirty="0"/>
+              <a:t> </a:t>
+            </a:r>
+            <a:r>
+              <a:rPr lang="en-US" dirty="0" err="1"/>
+              <a:t>testlerini</a:t>
+            </a:r>
+            <a:r>
+              <a:rPr lang="en-US" dirty="0"/>
+              <a:t> </a:t>
+            </a:r>
+            <a:r>
+              <a:rPr lang="en-US" dirty="0" err="1"/>
+              <a:t>yönetir</a:t>
+            </a:r>
+            <a:r>
+              <a:rPr lang="en-US" dirty="0"/>
+              <a:t>.</a:t>
+            </a:r>
+          </a:p>
+          <a:p>
+            <a:r>
+              <a:rPr lang="en-US" dirty="0"/>
+              <a:t>DevOps </a:t>
+            </a:r>
+            <a:r>
+              <a:rPr lang="en-US" dirty="0" err="1"/>
+              <a:t>mühendisi</a:t>
+            </a:r>
+            <a:r>
+              <a:rPr lang="en-US" dirty="0"/>
+              <a:t>, SDLC </a:t>
+            </a:r>
+            <a:r>
+              <a:rPr lang="en-US" dirty="0" err="1"/>
+              <a:t>sürecindeki</a:t>
+            </a:r>
+            <a:r>
+              <a:rPr lang="en-US" dirty="0"/>
+              <a:t> </a:t>
+            </a:r>
+            <a:r>
+              <a:rPr lang="en-US" dirty="0" err="1"/>
+              <a:t>rolleriyle</a:t>
+            </a:r>
+            <a:r>
+              <a:rPr lang="en-US" dirty="0"/>
+              <a:t> </a:t>
+            </a:r>
+            <a:r>
+              <a:rPr lang="en-US" dirty="0" err="1"/>
+              <a:t>yazılımın</a:t>
+            </a:r>
+            <a:r>
+              <a:rPr lang="en-US" dirty="0"/>
+              <a:t> </a:t>
+            </a:r>
+            <a:r>
+              <a:rPr lang="en-US" dirty="0" err="1"/>
+              <a:t>hızlı</a:t>
+            </a:r>
+            <a:r>
+              <a:rPr lang="en-US" dirty="0"/>
+              <a:t>, </a:t>
+            </a:r>
+            <a:r>
+              <a:rPr lang="en-US" dirty="0" err="1"/>
+              <a:t>güvenilir</a:t>
+            </a:r>
+            <a:r>
+              <a:rPr lang="en-US" dirty="0"/>
+              <a:t> </a:t>
+            </a:r>
+            <a:r>
+              <a:rPr lang="en-US" dirty="0" err="1"/>
+              <a:t>ve</a:t>
+            </a:r>
+            <a:r>
+              <a:rPr lang="en-US" dirty="0"/>
+              <a:t> </a:t>
+            </a:r>
+            <a:r>
+              <a:rPr lang="en-US" dirty="0" err="1"/>
+              <a:t>sürekli</a:t>
+            </a:r>
+            <a:r>
+              <a:rPr lang="en-US" dirty="0"/>
+              <a:t> </a:t>
+            </a:r>
+            <a:r>
+              <a:rPr lang="en-US" dirty="0" err="1"/>
+              <a:t>olarak</a:t>
+            </a:r>
+            <a:r>
+              <a:rPr lang="en-US" dirty="0"/>
+              <a:t> </a:t>
+            </a:r>
+            <a:r>
+              <a:rPr lang="en-US" dirty="0" err="1"/>
+              <a:t>geliştirilmesini</a:t>
+            </a:r>
+            <a:r>
+              <a:rPr lang="en-US" dirty="0"/>
+              <a:t>, test </a:t>
+            </a:r>
+            <a:r>
+              <a:rPr lang="en-US" dirty="0" err="1"/>
+              <a:t>edilmesini</a:t>
+            </a:r>
+            <a:r>
+              <a:rPr lang="en-US" dirty="0"/>
+              <a:t> </a:t>
+            </a:r>
+            <a:r>
+              <a:rPr lang="en-US" dirty="0" err="1"/>
+              <a:t>ve</a:t>
+            </a:r>
+            <a:r>
+              <a:rPr lang="en-US" dirty="0"/>
+              <a:t> </a:t>
+            </a:r>
+            <a:r>
+              <a:rPr lang="en-US" dirty="0" err="1"/>
+              <a:t>dağıtılmasını</a:t>
+            </a:r>
+            <a:r>
+              <a:rPr lang="en-US" dirty="0"/>
+              <a:t> </a:t>
+            </a:r>
+            <a:r>
+              <a:rPr lang="en-US" dirty="0" err="1"/>
+              <a:t>sağlar</a:t>
+            </a:r>
+            <a:r>
+              <a:rPr lang="en-US" dirty="0"/>
+              <a:t>. </a:t>
+            </a:r>
+            <a:r>
+              <a:rPr lang="en-US" dirty="0" err="1"/>
+              <a:t>Sürekli</a:t>
+            </a:r>
+            <a:r>
+              <a:rPr lang="en-US" dirty="0"/>
+              <a:t> </a:t>
+            </a:r>
+            <a:r>
+              <a:rPr lang="en-US" dirty="0" err="1"/>
+              <a:t>iyileştirme</a:t>
+            </a:r>
+            <a:r>
+              <a:rPr lang="en-US" dirty="0"/>
+              <a:t> </a:t>
+            </a:r>
+            <a:r>
+              <a:rPr lang="en-US" dirty="0" err="1"/>
+              <a:t>ve</a:t>
+            </a:r>
+            <a:r>
+              <a:rPr lang="en-US" dirty="0"/>
+              <a:t> </a:t>
+            </a:r>
+            <a:r>
+              <a:rPr lang="en-US" dirty="0" err="1"/>
+              <a:t>otomasyon</a:t>
+            </a:r>
+            <a:r>
+              <a:rPr lang="en-US" dirty="0"/>
+              <a:t> </a:t>
+            </a:r>
+            <a:r>
+              <a:rPr lang="en-US" dirty="0" err="1"/>
+              <a:t>ilkelerine</a:t>
+            </a:r>
+            <a:r>
+              <a:rPr lang="en-US" dirty="0"/>
+              <a:t> </a:t>
+            </a:r>
+            <a:r>
+              <a:rPr lang="en-US" dirty="0" err="1"/>
+              <a:t>dayalı</a:t>
+            </a:r>
+            <a:r>
+              <a:rPr lang="en-US" dirty="0"/>
+              <a:t> </a:t>
+            </a:r>
+            <a:r>
+              <a:rPr lang="en-US" dirty="0" err="1"/>
+              <a:t>olarak</a:t>
+            </a:r>
+            <a:r>
+              <a:rPr lang="en-US" dirty="0"/>
+              <a:t> </a:t>
+            </a:r>
+            <a:r>
+              <a:rPr lang="en-US" dirty="0" err="1"/>
+              <a:t>çalışarak</a:t>
+            </a:r>
+            <a:r>
+              <a:rPr lang="en-US" dirty="0"/>
+              <a:t>, </a:t>
+            </a:r>
+            <a:r>
+              <a:rPr lang="en-US" dirty="0" err="1"/>
+              <a:t>yazılım</a:t>
+            </a:r>
+            <a:r>
+              <a:rPr lang="en-US" dirty="0"/>
+              <a:t> </a:t>
+            </a:r>
+            <a:r>
+              <a:rPr lang="en-US" dirty="0" err="1"/>
+              <a:t>projesinin</a:t>
+            </a:r>
+            <a:r>
+              <a:rPr lang="en-US" dirty="0"/>
+              <a:t> </a:t>
+            </a:r>
+            <a:r>
+              <a:rPr lang="en-US" dirty="0" err="1"/>
+              <a:t>başarılı</a:t>
+            </a:r>
+            <a:r>
+              <a:rPr lang="en-US" dirty="0"/>
+              <a:t> </a:t>
+            </a:r>
+            <a:r>
+              <a:rPr lang="en-US" dirty="0" err="1"/>
+              <a:t>bir</a:t>
+            </a:r>
+            <a:r>
+              <a:rPr lang="en-US" dirty="0"/>
+              <a:t> </a:t>
+            </a:r>
+            <a:r>
+              <a:rPr lang="en-US" dirty="0" err="1"/>
+              <a:t>şekilde</a:t>
+            </a:r>
+            <a:r>
+              <a:rPr lang="en-US" dirty="0"/>
+              <a:t> </a:t>
+            </a:r>
+            <a:r>
+              <a:rPr lang="en-US" dirty="0" err="1"/>
+              <a:t>hayata</a:t>
+            </a:r>
+            <a:r>
+              <a:rPr lang="en-US" dirty="0"/>
+              <a:t> </a:t>
+            </a:r>
+            <a:r>
+              <a:rPr lang="en-US" dirty="0" err="1"/>
+              <a:t>geçirilmesini</a:t>
+            </a:r>
+            <a:r>
+              <a:rPr lang="en-US" dirty="0"/>
+              <a:t> </a:t>
+            </a:r>
+            <a:r>
+              <a:rPr lang="en-US" dirty="0" err="1"/>
+              <a:t>ve</a:t>
+            </a:r>
+            <a:r>
+              <a:rPr lang="en-US" dirty="0"/>
+              <a:t> </a:t>
+            </a:r>
+            <a:r>
+              <a:rPr lang="en-US" dirty="0" err="1"/>
+              <a:t>yönetilmesini</a:t>
+            </a:r>
+            <a:r>
+              <a:rPr lang="en-US" dirty="0"/>
+              <a:t> </a:t>
+            </a:r>
+            <a:r>
+              <a:rPr lang="en-US" dirty="0" err="1"/>
+              <a:t>destekler</a:t>
+            </a:r>
+            <a:r>
+              <a:rPr lang="en-US" dirty="0"/>
+              <a:t>.</a:t>
+            </a:r>
+            <a:endParaRPr lang="en-TR" dirty="0"/>
+          </a:p>
+        </p:txBody>
+      </p:sp>
+    </p:spTree>
+    <p:extLst>
+      <p:ext uri="{BB962C8B-B14F-4D97-AF65-F5344CB8AC3E}">
+        <p14:creationId xmlns:p14="http://schemas.microsoft.com/office/powerpoint/2010/main" val="2197046155"/>
+      </p:ext>
+    </p:extLst>
+  </p:cSld>
+  <p:clrMapOvr>
+    <a:masterClrMapping/>
+  </p:clrMapOvr>
+</p:sld>
+</file>
+
+<file path=ppt/slides/slide25.xml><?xml version="1.0" encoding="utf-8"?>
+<p:sld xmlns:a="http://schemas.openxmlformats.org/drawingml/2006/main" xmlns:r="http://schemas.openxmlformats.org/officeDocument/2006/relationships" xmlns:p="http://schemas.openxmlformats.org/presentationml/2006/main">
+  <p:cSld>
+    <p:spTree>
+      <p:nvGrpSpPr>
+        <p:cNvPr id="1" name=""/>
+        <p:cNvGrpSpPr/>
+        <p:nvPr/>
+      </p:nvGrpSpPr>
+      <p:grpSpPr>
+        <a:xfrm>
+          <a:off x="0" y="0"/>
+          <a:ext cx="0" cy="0"/>
+          <a:chOff x="0" y="0"/>
+          <a:chExt cx="0" cy="0"/>
+        </a:xfrm>
+      </p:grpSpPr>
+      <p:sp>
+        <p:nvSpPr>
+          <p:cNvPr id="2" name="Title 1">
+            <a:extLst>
+              <a:ext uri="{FF2B5EF4-FFF2-40B4-BE49-F238E27FC236}">
+                <a16:creationId xmlns:a16="http://schemas.microsoft.com/office/drawing/2014/main" id="{DD6E9535-CBE2-1A52-A54F-464AEA1736F8}"/>
+              </a:ext>
+            </a:extLst>
+          </p:cNvPr>
+          <p:cNvSpPr>
+            <a:spLocks noGrp="1"/>
+          </p:cNvSpPr>
+          <p:nvPr>
+            <p:ph type="title"/>
+          </p:nvPr>
+        </p:nvSpPr>
+        <p:spPr/>
+        <p:txBody>
+          <a:bodyPr/>
+          <a:lstStyle/>
+          <a:p>
+            <a:r>
+              <a:rPr lang="en-TR" dirty="0"/>
+              <a:t>DevOps</a:t>
+            </a:r>
+          </a:p>
+        </p:txBody>
+      </p:sp>
+      <p:sp>
+        <p:nvSpPr>
+          <p:cNvPr id="3" name="Content Placeholder 2">
+            <a:extLst>
+              <a:ext uri="{FF2B5EF4-FFF2-40B4-BE49-F238E27FC236}">
+                <a16:creationId xmlns:a16="http://schemas.microsoft.com/office/drawing/2014/main" id="{0E2AFF0B-7CBD-C1CE-3D3B-6B69DA1A5B9F}"/>
+              </a:ext>
+            </a:extLst>
+          </p:cNvPr>
+          <p:cNvSpPr>
+            <a:spLocks noGrp="1"/>
+          </p:cNvSpPr>
+          <p:nvPr>
+            <p:ph idx="1"/>
+          </p:nvPr>
+        </p:nvSpPr>
+        <p:spPr/>
+        <p:txBody>
+          <a:bodyPr>
+            <a:normAutofit fontScale="40000" lnSpcReduction="20000"/>
+          </a:bodyPr>
+          <a:lstStyle/>
+          <a:p>
+            <a:r>
+              <a:rPr lang="en-US" dirty="0" err="1"/>
+              <a:t>Sürekli</a:t>
+            </a:r>
+            <a:r>
+              <a:rPr lang="en-US" dirty="0"/>
+              <a:t> </a:t>
+            </a:r>
+            <a:r>
+              <a:rPr lang="en-US" dirty="0" err="1"/>
+              <a:t>Entegrasyon</a:t>
+            </a:r>
+            <a:r>
+              <a:rPr lang="en-US" dirty="0"/>
+              <a:t> </a:t>
+            </a:r>
+            <a:r>
+              <a:rPr lang="en-US" dirty="0" err="1"/>
+              <a:t>ve</a:t>
+            </a:r>
+            <a:r>
+              <a:rPr lang="en-US" dirty="0"/>
+              <a:t> </a:t>
+            </a:r>
+            <a:r>
+              <a:rPr lang="en-US" dirty="0" err="1"/>
+              <a:t>Sürekli</a:t>
+            </a:r>
+            <a:r>
+              <a:rPr lang="en-US" dirty="0"/>
+              <a:t> </a:t>
+            </a:r>
+            <a:r>
+              <a:rPr lang="en-US" dirty="0" err="1"/>
+              <a:t>Dağıtım</a:t>
+            </a:r>
+            <a:r>
+              <a:rPr lang="en-US" dirty="0"/>
+              <a:t> (CI/CD) </a:t>
+            </a:r>
+            <a:r>
+              <a:rPr lang="en-US" dirty="0" err="1"/>
+              <a:t>Yönetimi</a:t>
+            </a:r>
+            <a:r>
+              <a:rPr lang="en-US" dirty="0"/>
+              <a:t>: DevOps </a:t>
+            </a:r>
+            <a:r>
+              <a:rPr lang="en-US" dirty="0" err="1"/>
+              <a:t>mühendisi</a:t>
+            </a:r>
+            <a:r>
+              <a:rPr lang="en-US" dirty="0"/>
+              <a:t>, CI/CD </a:t>
+            </a:r>
+            <a:r>
+              <a:rPr lang="en-US" dirty="0" err="1"/>
+              <a:t>süreçlerini</a:t>
+            </a:r>
+            <a:r>
+              <a:rPr lang="en-US" dirty="0"/>
+              <a:t> </a:t>
+            </a:r>
+            <a:r>
+              <a:rPr lang="en-US" dirty="0" err="1"/>
+              <a:t>oluşturur</a:t>
+            </a:r>
+            <a:r>
+              <a:rPr lang="en-US" dirty="0"/>
+              <a:t>, </a:t>
+            </a:r>
+            <a:r>
+              <a:rPr lang="en-US" dirty="0" err="1"/>
+              <a:t>yapılandırır</a:t>
+            </a:r>
+            <a:r>
+              <a:rPr lang="en-US" dirty="0"/>
+              <a:t> </a:t>
+            </a:r>
+            <a:r>
+              <a:rPr lang="en-US" dirty="0" err="1"/>
+              <a:t>ve</a:t>
+            </a:r>
+            <a:r>
+              <a:rPr lang="en-US" dirty="0"/>
+              <a:t> </a:t>
+            </a:r>
+            <a:r>
+              <a:rPr lang="en-US" dirty="0" err="1"/>
+              <a:t>yönetir</a:t>
+            </a:r>
+            <a:r>
+              <a:rPr lang="en-US" dirty="0"/>
+              <a:t>. Bu </a:t>
+            </a:r>
+            <a:r>
+              <a:rPr lang="en-US" dirty="0" err="1"/>
+              <a:t>süreçler</a:t>
+            </a:r>
+            <a:r>
+              <a:rPr lang="en-US" dirty="0"/>
+              <a:t>, </a:t>
+            </a:r>
+            <a:r>
+              <a:rPr lang="en-US" dirty="0" err="1"/>
+              <a:t>yazılımın</a:t>
+            </a:r>
+            <a:r>
+              <a:rPr lang="en-US" dirty="0"/>
+              <a:t> </a:t>
+            </a:r>
+            <a:r>
+              <a:rPr lang="en-US" dirty="0" err="1"/>
+              <a:t>sürekli</a:t>
+            </a:r>
+            <a:r>
+              <a:rPr lang="en-US" dirty="0"/>
+              <a:t> </a:t>
+            </a:r>
+            <a:r>
+              <a:rPr lang="en-US" dirty="0" err="1"/>
+              <a:t>olarak</a:t>
+            </a:r>
+            <a:r>
+              <a:rPr lang="en-US" dirty="0"/>
+              <a:t> </a:t>
+            </a:r>
+            <a:r>
+              <a:rPr lang="en-US" dirty="0" err="1"/>
+              <a:t>derlenmesini</a:t>
+            </a:r>
+            <a:r>
+              <a:rPr lang="en-US" dirty="0"/>
+              <a:t>, test </a:t>
+            </a:r>
+            <a:r>
+              <a:rPr lang="en-US" dirty="0" err="1"/>
+              <a:t>edilmesini</a:t>
+            </a:r>
+            <a:r>
+              <a:rPr lang="en-US" dirty="0"/>
+              <a:t> </a:t>
+            </a:r>
+            <a:r>
+              <a:rPr lang="en-US" dirty="0" err="1"/>
+              <a:t>ve</a:t>
+            </a:r>
+            <a:r>
+              <a:rPr lang="en-US" dirty="0"/>
+              <a:t> </a:t>
+            </a:r>
+            <a:r>
+              <a:rPr lang="en-US" dirty="0" err="1"/>
+              <a:t>dağıtılmasını</a:t>
+            </a:r>
+            <a:r>
+              <a:rPr lang="en-US" dirty="0"/>
+              <a:t> </a:t>
+            </a:r>
+            <a:r>
+              <a:rPr lang="en-US" dirty="0" err="1"/>
+              <a:t>sağlar</a:t>
+            </a:r>
+            <a:r>
+              <a:rPr lang="en-US" dirty="0"/>
+              <a:t>. </a:t>
+            </a:r>
+            <a:r>
+              <a:rPr lang="en-US" dirty="0" err="1"/>
+              <a:t>Otomatikleştirme</a:t>
+            </a:r>
+            <a:r>
+              <a:rPr lang="en-US" dirty="0"/>
+              <a:t> </a:t>
+            </a:r>
+            <a:r>
+              <a:rPr lang="en-US" dirty="0" err="1"/>
+              <a:t>araçları</a:t>
+            </a:r>
+            <a:r>
+              <a:rPr lang="en-US" dirty="0"/>
+              <a:t> </a:t>
+            </a:r>
+            <a:r>
+              <a:rPr lang="en-US" dirty="0" err="1"/>
+              <a:t>kullanarak</a:t>
+            </a:r>
+            <a:r>
+              <a:rPr lang="en-US" dirty="0"/>
+              <a:t> </a:t>
+            </a:r>
+            <a:r>
+              <a:rPr lang="en-US" dirty="0" err="1"/>
+              <a:t>sürekli</a:t>
+            </a:r>
+            <a:r>
+              <a:rPr lang="en-US" dirty="0"/>
+              <a:t> </a:t>
+            </a:r>
+            <a:r>
+              <a:rPr lang="en-US" dirty="0" err="1"/>
+              <a:t>entegrasyon</a:t>
+            </a:r>
+            <a:r>
+              <a:rPr lang="en-US" dirty="0"/>
+              <a:t> </a:t>
+            </a:r>
+            <a:r>
+              <a:rPr lang="en-US" dirty="0" err="1"/>
+              <a:t>ve</a:t>
+            </a:r>
+            <a:r>
+              <a:rPr lang="en-US" dirty="0"/>
+              <a:t> </a:t>
+            </a:r>
+            <a:r>
+              <a:rPr lang="en-US" dirty="0" err="1"/>
+              <a:t>sürekli</a:t>
+            </a:r>
+            <a:r>
+              <a:rPr lang="en-US" dirty="0"/>
+              <a:t> </a:t>
+            </a:r>
+            <a:r>
+              <a:rPr lang="en-US" dirty="0" err="1"/>
+              <a:t>dağıtımın</a:t>
+            </a:r>
+            <a:r>
+              <a:rPr lang="en-US" dirty="0"/>
+              <a:t> </a:t>
+            </a:r>
+            <a:r>
+              <a:rPr lang="en-US" dirty="0" err="1"/>
+              <a:t>sorunsuz</a:t>
+            </a:r>
+            <a:r>
+              <a:rPr lang="en-US" dirty="0"/>
+              <a:t> </a:t>
+            </a:r>
+            <a:r>
+              <a:rPr lang="en-US" dirty="0" err="1"/>
+              <a:t>bir</a:t>
+            </a:r>
+            <a:r>
+              <a:rPr lang="en-US" dirty="0"/>
+              <a:t> </a:t>
+            </a:r>
+            <a:r>
+              <a:rPr lang="en-US" dirty="0" err="1"/>
+              <a:t>şekilde</a:t>
+            </a:r>
+            <a:r>
+              <a:rPr lang="en-US" dirty="0"/>
+              <a:t> </a:t>
+            </a:r>
+            <a:r>
+              <a:rPr lang="en-US" dirty="0" err="1"/>
+              <a:t>gerçekleşmesini</a:t>
+            </a:r>
+            <a:r>
+              <a:rPr lang="en-US" dirty="0"/>
+              <a:t> </a:t>
+            </a:r>
+            <a:r>
+              <a:rPr lang="en-US" dirty="0" err="1"/>
+              <a:t>sağlar</a:t>
+            </a:r>
+            <a:r>
+              <a:rPr lang="en-US" dirty="0"/>
+              <a:t>.</a:t>
+            </a:r>
+          </a:p>
+          <a:p>
+            <a:r>
+              <a:rPr lang="en-US" dirty="0" err="1"/>
+              <a:t>Altyapı</a:t>
+            </a:r>
+            <a:r>
+              <a:rPr lang="en-US" dirty="0"/>
+              <a:t> </a:t>
+            </a:r>
+            <a:r>
+              <a:rPr lang="en-US" dirty="0" err="1"/>
+              <a:t>Otomasyonu</a:t>
+            </a:r>
+            <a:r>
+              <a:rPr lang="en-US" dirty="0"/>
+              <a:t> </a:t>
+            </a:r>
+            <a:r>
+              <a:rPr lang="en-US" dirty="0" err="1"/>
+              <a:t>ve</a:t>
+            </a:r>
+            <a:r>
+              <a:rPr lang="en-US" dirty="0"/>
+              <a:t> </a:t>
+            </a:r>
+            <a:r>
+              <a:rPr lang="en-US" dirty="0" err="1"/>
+              <a:t>Yönetimi</a:t>
+            </a:r>
+            <a:r>
+              <a:rPr lang="en-US" dirty="0"/>
+              <a:t>: DevOps </a:t>
+            </a:r>
+            <a:r>
+              <a:rPr lang="en-US" dirty="0" err="1"/>
+              <a:t>mühendisi</a:t>
+            </a:r>
+            <a:r>
+              <a:rPr lang="en-US" dirty="0"/>
+              <a:t>, </a:t>
+            </a:r>
+            <a:r>
+              <a:rPr lang="en-US" dirty="0" err="1"/>
+              <a:t>altyapı</a:t>
+            </a:r>
+            <a:r>
+              <a:rPr lang="en-US" dirty="0"/>
+              <a:t> </a:t>
+            </a:r>
+            <a:r>
+              <a:rPr lang="en-US" dirty="0" err="1"/>
+              <a:t>kaynaklarının</a:t>
+            </a:r>
+            <a:r>
+              <a:rPr lang="en-US" dirty="0"/>
+              <a:t> (</a:t>
+            </a:r>
+            <a:r>
+              <a:rPr lang="en-US" dirty="0" err="1"/>
+              <a:t>sunucular</a:t>
+            </a:r>
+            <a:r>
+              <a:rPr lang="en-US" dirty="0"/>
+              <a:t>, </a:t>
+            </a:r>
+            <a:r>
+              <a:rPr lang="en-US" dirty="0" err="1"/>
+              <a:t>veritabanları</a:t>
+            </a:r>
+            <a:r>
+              <a:rPr lang="en-US" dirty="0"/>
+              <a:t>, </a:t>
+            </a:r>
+            <a:r>
+              <a:rPr lang="en-US" dirty="0" err="1"/>
+              <a:t>ağ</a:t>
+            </a:r>
+            <a:r>
+              <a:rPr lang="en-US" dirty="0"/>
+              <a:t> </a:t>
+            </a:r>
+            <a:r>
+              <a:rPr lang="en-US" dirty="0" err="1"/>
+              <a:t>bileşenleri</a:t>
+            </a:r>
+            <a:r>
+              <a:rPr lang="en-US" dirty="0"/>
+              <a:t> vb.) </a:t>
+            </a:r>
+            <a:r>
+              <a:rPr lang="en-US" dirty="0" err="1"/>
+              <a:t>otomatikleştirilmesi</a:t>
+            </a:r>
+            <a:r>
+              <a:rPr lang="en-US" dirty="0"/>
+              <a:t> </a:t>
+            </a:r>
+            <a:r>
+              <a:rPr lang="en-US" dirty="0" err="1"/>
+              <a:t>ve</a:t>
+            </a:r>
+            <a:r>
+              <a:rPr lang="en-US" dirty="0"/>
+              <a:t> </a:t>
+            </a:r>
+            <a:r>
+              <a:rPr lang="en-US" dirty="0" err="1"/>
+              <a:t>yönetilmesiyle</a:t>
+            </a:r>
+            <a:r>
+              <a:rPr lang="en-US" dirty="0"/>
+              <a:t> </a:t>
+            </a:r>
+            <a:r>
+              <a:rPr lang="en-US" dirty="0" err="1"/>
+              <a:t>ilgilenir</a:t>
+            </a:r>
+            <a:r>
+              <a:rPr lang="en-US" dirty="0"/>
+              <a:t>. </a:t>
+            </a:r>
+            <a:r>
+              <a:rPr lang="en-US" dirty="0" err="1"/>
+              <a:t>İhtiyaç</a:t>
+            </a:r>
+            <a:r>
+              <a:rPr lang="en-US" dirty="0"/>
+              <a:t> </a:t>
+            </a:r>
+            <a:r>
+              <a:rPr lang="en-US" dirty="0" err="1"/>
+              <a:t>duyulan</a:t>
+            </a:r>
+            <a:r>
+              <a:rPr lang="en-US" dirty="0"/>
+              <a:t> </a:t>
+            </a:r>
+            <a:r>
+              <a:rPr lang="en-US" dirty="0" err="1"/>
+              <a:t>altyapı</a:t>
+            </a:r>
+            <a:r>
+              <a:rPr lang="en-US" dirty="0"/>
+              <a:t> </a:t>
+            </a:r>
+            <a:r>
+              <a:rPr lang="en-US" dirty="0" err="1"/>
+              <a:t>kaynaklarını</a:t>
+            </a:r>
+            <a:r>
+              <a:rPr lang="en-US" dirty="0"/>
+              <a:t> </a:t>
+            </a:r>
+            <a:r>
+              <a:rPr lang="en-US" dirty="0" err="1"/>
+              <a:t>oluşturur</a:t>
+            </a:r>
+            <a:r>
+              <a:rPr lang="en-US" dirty="0"/>
+              <a:t>, </a:t>
+            </a:r>
+            <a:r>
+              <a:rPr lang="en-US" dirty="0" err="1"/>
+              <a:t>konfigüre</a:t>
+            </a:r>
+            <a:r>
+              <a:rPr lang="en-US" dirty="0"/>
+              <a:t> </a:t>
+            </a:r>
+            <a:r>
+              <a:rPr lang="en-US" dirty="0" err="1"/>
+              <a:t>eder</a:t>
+            </a:r>
+            <a:r>
+              <a:rPr lang="en-US" dirty="0"/>
+              <a:t> </a:t>
+            </a:r>
+            <a:r>
+              <a:rPr lang="en-US" dirty="0" err="1"/>
+              <a:t>ve</a:t>
+            </a:r>
+            <a:r>
+              <a:rPr lang="en-US" dirty="0"/>
+              <a:t> </a:t>
+            </a:r>
+            <a:r>
+              <a:rPr lang="en-US" dirty="0" err="1"/>
+              <a:t>otomatikleştirir</a:t>
+            </a:r>
+            <a:r>
+              <a:rPr lang="en-US" dirty="0"/>
+              <a:t>. </a:t>
+            </a:r>
+            <a:r>
+              <a:rPr lang="en-US" dirty="0" err="1"/>
+              <a:t>Altyapının</a:t>
+            </a:r>
+            <a:r>
+              <a:rPr lang="en-US" dirty="0"/>
+              <a:t> </a:t>
+            </a:r>
+            <a:r>
+              <a:rPr lang="en-US" dirty="0" err="1"/>
+              <a:t>güvenli</a:t>
+            </a:r>
+            <a:r>
+              <a:rPr lang="en-US" dirty="0"/>
+              <a:t>, </a:t>
+            </a:r>
+            <a:r>
+              <a:rPr lang="en-US" dirty="0" err="1"/>
+              <a:t>ölçeklenebilir</a:t>
+            </a:r>
+            <a:r>
+              <a:rPr lang="en-US" dirty="0"/>
+              <a:t> </a:t>
+            </a:r>
+            <a:r>
+              <a:rPr lang="en-US" dirty="0" err="1"/>
+              <a:t>ve</a:t>
+            </a:r>
+            <a:r>
+              <a:rPr lang="en-US" dirty="0"/>
+              <a:t> </a:t>
+            </a:r>
+            <a:r>
+              <a:rPr lang="en-US" dirty="0" err="1"/>
+              <a:t>yönetilebilir</a:t>
+            </a:r>
+            <a:r>
+              <a:rPr lang="en-US" dirty="0"/>
+              <a:t> </a:t>
+            </a:r>
+            <a:r>
+              <a:rPr lang="en-US" dirty="0" err="1"/>
+              <a:t>olmasını</a:t>
+            </a:r>
+            <a:r>
+              <a:rPr lang="en-US" dirty="0"/>
+              <a:t> </a:t>
+            </a:r>
+            <a:r>
+              <a:rPr lang="en-US" dirty="0" err="1"/>
+              <a:t>sağlar</a:t>
+            </a:r>
+            <a:r>
+              <a:rPr lang="en-US" dirty="0"/>
+              <a:t>.</a:t>
+            </a:r>
+          </a:p>
+          <a:p>
+            <a:r>
+              <a:rPr lang="en-US" dirty="0" err="1"/>
+              <a:t>İzleme</a:t>
+            </a:r>
+            <a:r>
+              <a:rPr lang="en-US" dirty="0"/>
+              <a:t> </a:t>
+            </a:r>
+            <a:r>
+              <a:rPr lang="en-US" dirty="0" err="1"/>
+              <a:t>ve</a:t>
+            </a:r>
+            <a:r>
+              <a:rPr lang="en-US" dirty="0"/>
+              <a:t> </a:t>
+            </a:r>
+            <a:r>
+              <a:rPr lang="en-US" dirty="0" err="1"/>
+              <a:t>Hata</a:t>
+            </a:r>
+            <a:r>
+              <a:rPr lang="en-US" dirty="0"/>
+              <a:t> </a:t>
+            </a:r>
+            <a:r>
+              <a:rPr lang="en-US" dirty="0" err="1"/>
+              <a:t>Ayıklama</a:t>
+            </a:r>
+            <a:r>
+              <a:rPr lang="en-US" dirty="0"/>
+              <a:t>: DevOps </a:t>
+            </a:r>
+            <a:r>
+              <a:rPr lang="en-US" dirty="0" err="1"/>
+              <a:t>mühendisi</a:t>
+            </a:r>
+            <a:r>
+              <a:rPr lang="en-US" dirty="0"/>
+              <a:t>, </a:t>
+            </a:r>
+            <a:r>
+              <a:rPr lang="en-US" dirty="0" err="1"/>
+              <a:t>yazılımın</a:t>
+            </a:r>
+            <a:r>
+              <a:rPr lang="en-US" dirty="0"/>
+              <a:t> </a:t>
+            </a:r>
+            <a:r>
+              <a:rPr lang="en-US" dirty="0" err="1"/>
+              <a:t>performansını</a:t>
+            </a:r>
+            <a:r>
+              <a:rPr lang="en-US" dirty="0"/>
+              <a:t>, </a:t>
+            </a:r>
+            <a:r>
+              <a:rPr lang="en-US" dirty="0" err="1"/>
+              <a:t>güvenilirliğini</a:t>
+            </a:r>
+            <a:r>
+              <a:rPr lang="en-US" dirty="0"/>
+              <a:t> </a:t>
+            </a:r>
+            <a:r>
+              <a:rPr lang="en-US" dirty="0" err="1"/>
+              <a:t>ve</a:t>
+            </a:r>
+            <a:r>
+              <a:rPr lang="en-US" dirty="0"/>
+              <a:t> </a:t>
+            </a:r>
+            <a:r>
+              <a:rPr lang="en-US" dirty="0" err="1"/>
+              <a:t>kullanılabilirliğini</a:t>
+            </a:r>
+            <a:r>
+              <a:rPr lang="en-US" dirty="0"/>
+              <a:t> </a:t>
+            </a:r>
+            <a:r>
+              <a:rPr lang="en-US" dirty="0" err="1"/>
+              <a:t>izler</a:t>
+            </a:r>
+            <a:r>
+              <a:rPr lang="en-US" dirty="0"/>
+              <a:t>. </a:t>
+            </a:r>
+            <a:r>
+              <a:rPr lang="en-US" dirty="0" err="1"/>
+              <a:t>İzleme</a:t>
+            </a:r>
+            <a:r>
+              <a:rPr lang="en-US" dirty="0"/>
+              <a:t> </a:t>
+            </a:r>
+            <a:r>
+              <a:rPr lang="en-US" dirty="0" err="1"/>
+              <a:t>araçları</a:t>
+            </a:r>
+            <a:r>
+              <a:rPr lang="en-US" dirty="0"/>
+              <a:t> </a:t>
+            </a:r>
+            <a:r>
+              <a:rPr lang="en-US" dirty="0" err="1"/>
+              <a:t>kullanarak</a:t>
+            </a:r>
+            <a:r>
+              <a:rPr lang="en-US" dirty="0"/>
+              <a:t> </a:t>
+            </a:r>
+            <a:r>
+              <a:rPr lang="en-US" dirty="0" err="1"/>
+              <a:t>uygulama</a:t>
+            </a:r>
+            <a:r>
+              <a:rPr lang="en-US" dirty="0"/>
+              <a:t> </a:t>
+            </a:r>
+            <a:r>
+              <a:rPr lang="en-US" dirty="0" err="1"/>
+              <a:t>ve</a:t>
+            </a:r>
+            <a:r>
+              <a:rPr lang="en-US" dirty="0"/>
+              <a:t> </a:t>
+            </a:r>
+            <a:r>
+              <a:rPr lang="en-US" dirty="0" err="1"/>
+              <a:t>altyapıdaki</a:t>
+            </a:r>
+            <a:r>
+              <a:rPr lang="en-US" dirty="0"/>
+              <a:t> </a:t>
+            </a:r>
+            <a:r>
+              <a:rPr lang="en-US" dirty="0" err="1"/>
+              <a:t>hataları</a:t>
+            </a:r>
+            <a:r>
+              <a:rPr lang="en-US" dirty="0"/>
+              <a:t> </a:t>
+            </a:r>
+            <a:r>
+              <a:rPr lang="en-US" dirty="0" err="1"/>
+              <a:t>ve</a:t>
+            </a:r>
+            <a:r>
+              <a:rPr lang="en-US" dirty="0"/>
+              <a:t> </a:t>
+            </a:r>
+            <a:r>
+              <a:rPr lang="en-US" dirty="0" err="1"/>
+              <a:t>sorunları</a:t>
+            </a:r>
+            <a:r>
+              <a:rPr lang="en-US" dirty="0"/>
+              <a:t> </a:t>
+            </a:r>
+            <a:r>
+              <a:rPr lang="en-US" dirty="0" err="1"/>
+              <a:t>tespit</a:t>
+            </a:r>
+            <a:r>
+              <a:rPr lang="en-US" dirty="0"/>
+              <a:t> </a:t>
+            </a:r>
+            <a:r>
+              <a:rPr lang="en-US" dirty="0" err="1"/>
+              <a:t>eder</a:t>
+            </a:r>
+            <a:r>
+              <a:rPr lang="en-US" dirty="0"/>
+              <a:t>. </a:t>
+            </a:r>
+            <a:r>
+              <a:rPr lang="en-US" dirty="0" err="1"/>
+              <a:t>Sorunları</a:t>
+            </a:r>
+            <a:r>
+              <a:rPr lang="en-US" dirty="0"/>
+              <a:t> </a:t>
+            </a:r>
+            <a:r>
+              <a:rPr lang="en-US" dirty="0" err="1"/>
+              <a:t>hızlı</a:t>
+            </a:r>
+            <a:r>
+              <a:rPr lang="en-US" dirty="0"/>
+              <a:t> </a:t>
+            </a:r>
+            <a:r>
+              <a:rPr lang="en-US" dirty="0" err="1"/>
+              <a:t>bir</a:t>
+            </a:r>
+            <a:r>
+              <a:rPr lang="en-US" dirty="0"/>
+              <a:t> </a:t>
+            </a:r>
+            <a:r>
+              <a:rPr lang="en-US" dirty="0" err="1"/>
+              <a:t>şekilde</a:t>
+            </a:r>
+            <a:r>
+              <a:rPr lang="en-US" dirty="0"/>
+              <a:t> </a:t>
+            </a:r>
+            <a:r>
+              <a:rPr lang="en-US" dirty="0" err="1"/>
+              <a:t>tanımlar</a:t>
+            </a:r>
+            <a:r>
+              <a:rPr lang="en-US" dirty="0"/>
+              <a:t>, </a:t>
+            </a:r>
+            <a:r>
+              <a:rPr lang="en-US" dirty="0" err="1"/>
+              <a:t>çözümler</a:t>
+            </a:r>
+            <a:r>
+              <a:rPr lang="en-US" dirty="0"/>
+              <a:t> </a:t>
+            </a:r>
+            <a:r>
+              <a:rPr lang="en-US" dirty="0" err="1"/>
+              <a:t>üretir</a:t>
+            </a:r>
+            <a:r>
+              <a:rPr lang="en-US" dirty="0"/>
+              <a:t> </a:t>
+            </a:r>
+            <a:r>
+              <a:rPr lang="en-US" dirty="0" err="1"/>
+              <a:t>ve</a:t>
+            </a:r>
+            <a:r>
+              <a:rPr lang="en-US" dirty="0"/>
+              <a:t> </a:t>
+            </a:r>
+            <a:r>
+              <a:rPr lang="en-US" dirty="0" err="1"/>
+              <a:t>uygular</a:t>
+            </a:r>
+            <a:r>
+              <a:rPr lang="en-US" dirty="0"/>
+              <a:t>.</a:t>
+            </a:r>
+          </a:p>
+          <a:p>
+            <a:r>
+              <a:rPr lang="en-US" dirty="0" err="1"/>
+              <a:t>Otomatik</a:t>
+            </a:r>
+            <a:r>
+              <a:rPr lang="en-US" dirty="0"/>
+              <a:t> </a:t>
+            </a:r>
+            <a:r>
+              <a:rPr lang="en-US" dirty="0" err="1"/>
+              <a:t>Testlerin</a:t>
+            </a:r>
+            <a:r>
+              <a:rPr lang="en-US" dirty="0"/>
+              <a:t> </a:t>
+            </a:r>
+            <a:r>
+              <a:rPr lang="en-US" dirty="0" err="1"/>
+              <a:t>Tasarımı</a:t>
+            </a:r>
+            <a:r>
+              <a:rPr lang="en-US" dirty="0"/>
+              <a:t> </a:t>
+            </a:r>
+            <a:r>
+              <a:rPr lang="en-US" dirty="0" err="1"/>
+              <a:t>ve</a:t>
+            </a:r>
+            <a:r>
+              <a:rPr lang="en-US" dirty="0"/>
+              <a:t> </a:t>
+            </a:r>
+            <a:r>
+              <a:rPr lang="en-US" dirty="0" err="1"/>
+              <a:t>Yönetimi</a:t>
+            </a:r>
+            <a:r>
+              <a:rPr lang="en-US" dirty="0"/>
+              <a:t>: DevOps </a:t>
+            </a:r>
+            <a:r>
+              <a:rPr lang="en-US" dirty="0" err="1"/>
+              <a:t>mühendisi</a:t>
+            </a:r>
+            <a:r>
+              <a:rPr lang="en-US" dirty="0"/>
+              <a:t>, </a:t>
+            </a:r>
+            <a:r>
+              <a:rPr lang="en-US" dirty="0" err="1"/>
+              <a:t>otomatik</a:t>
+            </a:r>
+            <a:r>
+              <a:rPr lang="en-US" dirty="0"/>
+              <a:t> test </a:t>
+            </a:r>
+            <a:r>
+              <a:rPr lang="en-US" dirty="0" err="1"/>
+              <a:t>süreçlerini</a:t>
+            </a:r>
+            <a:r>
+              <a:rPr lang="en-US" dirty="0"/>
+              <a:t> </a:t>
+            </a:r>
+            <a:r>
+              <a:rPr lang="en-US" dirty="0" err="1"/>
+              <a:t>tasarlar</a:t>
+            </a:r>
+            <a:r>
+              <a:rPr lang="en-US" dirty="0"/>
+              <a:t>, </a:t>
+            </a:r>
+            <a:r>
+              <a:rPr lang="en-US" dirty="0" err="1"/>
+              <a:t>yapılandırır</a:t>
+            </a:r>
+            <a:r>
+              <a:rPr lang="en-US" dirty="0"/>
+              <a:t> </a:t>
+            </a:r>
+            <a:r>
+              <a:rPr lang="en-US" dirty="0" err="1"/>
+              <a:t>ve</a:t>
+            </a:r>
+            <a:r>
+              <a:rPr lang="en-US" dirty="0"/>
+              <a:t> </a:t>
+            </a:r>
+            <a:r>
+              <a:rPr lang="en-US" dirty="0" err="1"/>
+              <a:t>yönetir</a:t>
+            </a:r>
+            <a:r>
+              <a:rPr lang="en-US" dirty="0"/>
+              <a:t>. </a:t>
+            </a:r>
+            <a:r>
+              <a:rPr lang="en-US" dirty="0" err="1"/>
+              <a:t>Birim</a:t>
+            </a:r>
+            <a:r>
+              <a:rPr lang="en-US" dirty="0"/>
+              <a:t> </a:t>
+            </a:r>
+            <a:r>
+              <a:rPr lang="en-US" dirty="0" err="1"/>
+              <a:t>testleri</a:t>
+            </a:r>
+            <a:r>
+              <a:rPr lang="en-US" dirty="0"/>
+              <a:t>, </a:t>
+            </a:r>
+            <a:r>
+              <a:rPr lang="en-US" dirty="0" err="1"/>
+              <a:t>entegrasyon</a:t>
+            </a:r>
+            <a:r>
+              <a:rPr lang="en-US" dirty="0"/>
+              <a:t> </a:t>
+            </a:r>
+            <a:r>
+              <a:rPr lang="en-US" dirty="0" err="1"/>
+              <a:t>testleri</a:t>
+            </a:r>
+            <a:r>
+              <a:rPr lang="en-US" dirty="0"/>
+              <a:t>, </a:t>
+            </a:r>
+            <a:r>
+              <a:rPr lang="en-US" dirty="0" err="1"/>
+              <a:t>performans</a:t>
+            </a:r>
+            <a:r>
+              <a:rPr lang="en-US" dirty="0"/>
+              <a:t> </a:t>
+            </a:r>
+            <a:r>
+              <a:rPr lang="en-US" dirty="0" err="1"/>
+              <a:t>testleri</a:t>
+            </a:r>
+            <a:r>
+              <a:rPr lang="en-US" dirty="0"/>
+              <a:t>, </a:t>
+            </a:r>
+            <a:r>
+              <a:rPr lang="en-US" dirty="0" err="1"/>
+              <a:t>güvenlik</a:t>
+            </a:r>
+            <a:r>
+              <a:rPr lang="en-US" dirty="0"/>
+              <a:t> </a:t>
+            </a:r>
+            <a:r>
+              <a:rPr lang="en-US" dirty="0" err="1"/>
+              <a:t>testleri</a:t>
+            </a:r>
+            <a:r>
+              <a:rPr lang="en-US" dirty="0"/>
+              <a:t> vb. </a:t>
+            </a:r>
+            <a:r>
+              <a:rPr lang="en-US" dirty="0" err="1"/>
+              <a:t>gibi</a:t>
+            </a:r>
+            <a:r>
+              <a:rPr lang="en-US" dirty="0"/>
+              <a:t> </a:t>
+            </a:r>
+            <a:r>
+              <a:rPr lang="en-US" dirty="0" err="1"/>
+              <a:t>farklı</a:t>
+            </a:r>
+            <a:r>
+              <a:rPr lang="en-US" dirty="0"/>
+              <a:t> </a:t>
+            </a:r>
+            <a:r>
+              <a:rPr lang="en-US" dirty="0" err="1"/>
+              <a:t>testleri</a:t>
+            </a:r>
+            <a:r>
+              <a:rPr lang="en-US" dirty="0"/>
+              <a:t> </a:t>
+            </a:r>
+            <a:r>
+              <a:rPr lang="en-US" dirty="0" err="1"/>
+              <a:t>otomatikleştirir</a:t>
+            </a:r>
+            <a:r>
+              <a:rPr lang="en-US" dirty="0"/>
+              <a:t>. </a:t>
+            </a:r>
+            <a:r>
+              <a:rPr lang="en-US" dirty="0" err="1"/>
+              <a:t>Testlerin</a:t>
+            </a:r>
+            <a:r>
+              <a:rPr lang="en-US" dirty="0"/>
+              <a:t> </a:t>
+            </a:r>
+            <a:r>
+              <a:rPr lang="en-US" dirty="0" err="1"/>
+              <a:t>otomatik</a:t>
+            </a:r>
+            <a:r>
+              <a:rPr lang="en-US" dirty="0"/>
+              <a:t> </a:t>
+            </a:r>
+            <a:r>
+              <a:rPr lang="en-US" dirty="0" err="1"/>
+              <a:t>olarak</a:t>
+            </a:r>
+            <a:r>
+              <a:rPr lang="en-US" dirty="0"/>
+              <a:t> </a:t>
+            </a:r>
+            <a:r>
+              <a:rPr lang="en-US" dirty="0" err="1"/>
+              <a:t>çalışmasını</a:t>
+            </a:r>
+            <a:r>
+              <a:rPr lang="en-US" dirty="0"/>
+              <a:t> </a:t>
+            </a:r>
+            <a:r>
+              <a:rPr lang="en-US" dirty="0" err="1"/>
+              <a:t>sağlar</a:t>
+            </a:r>
+            <a:r>
+              <a:rPr lang="en-US" dirty="0"/>
+              <a:t> </a:t>
+            </a:r>
+            <a:r>
+              <a:rPr lang="en-US" dirty="0" err="1"/>
+              <a:t>ve</a:t>
+            </a:r>
+            <a:r>
+              <a:rPr lang="en-US" dirty="0"/>
+              <a:t> </a:t>
+            </a:r>
+            <a:r>
+              <a:rPr lang="en-US" dirty="0" err="1"/>
+              <a:t>hata</a:t>
+            </a:r>
+            <a:r>
+              <a:rPr lang="en-US" dirty="0"/>
+              <a:t> </a:t>
+            </a:r>
+            <a:r>
+              <a:rPr lang="en-US" dirty="0" err="1"/>
+              <a:t>ayıklama</a:t>
+            </a:r>
+            <a:r>
+              <a:rPr lang="en-US" dirty="0"/>
+              <a:t> </a:t>
+            </a:r>
+            <a:r>
+              <a:rPr lang="en-US" dirty="0" err="1"/>
+              <a:t>sürecini</a:t>
+            </a:r>
+            <a:r>
+              <a:rPr lang="en-US" dirty="0"/>
+              <a:t> </a:t>
+            </a:r>
+            <a:r>
+              <a:rPr lang="en-US" dirty="0" err="1"/>
+              <a:t>kolaylaştırır</a:t>
+            </a:r>
+            <a:r>
+              <a:rPr lang="en-US" dirty="0"/>
+              <a:t>.</a:t>
+            </a:r>
+          </a:p>
+          <a:p>
+            <a:r>
+              <a:rPr lang="en-US" dirty="0" err="1"/>
+              <a:t>Güvenlik</a:t>
+            </a:r>
+            <a:r>
+              <a:rPr lang="en-US" dirty="0"/>
+              <a:t> </a:t>
+            </a:r>
+            <a:r>
+              <a:rPr lang="en-US" dirty="0" err="1"/>
+              <a:t>ve</a:t>
+            </a:r>
+            <a:r>
+              <a:rPr lang="en-US" dirty="0"/>
+              <a:t> </a:t>
+            </a:r>
+            <a:r>
+              <a:rPr lang="en-US" dirty="0" err="1"/>
+              <a:t>Sızma</a:t>
+            </a:r>
+            <a:r>
+              <a:rPr lang="en-US" dirty="0"/>
+              <a:t> </a:t>
+            </a:r>
+            <a:r>
+              <a:rPr lang="en-US" dirty="0" err="1"/>
+              <a:t>Testleri</a:t>
+            </a:r>
+            <a:r>
+              <a:rPr lang="en-US" dirty="0"/>
+              <a:t>: DevOps </a:t>
+            </a:r>
+            <a:r>
+              <a:rPr lang="en-US" dirty="0" err="1"/>
+              <a:t>mühendisi</a:t>
+            </a:r>
+            <a:r>
+              <a:rPr lang="en-US" dirty="0"/>
+              <a:t>, </a:t>
+            </a:r>
+            <a:r>
+              <a:rPr lang="en-US" dirty="0" err="1"/>
+              <a:t>yazılımın</a:t>
+            </a:r>
+            <a:r>
+              <a:rPr lang="en-US" dirty="0"/>
+              <a:t> </a:t>
+            </a:r>
+            <a:r>
+              <a:rPr lang="en-US" dirty="0" err="1"/>
+              <a:t>güvenliğini</a:t>
+            </a:r>
+            <a:r>
+              <a:rPr lang="en-US" dirty="0"/>
+              <a:t> </a:t>
+            </a:r>
+            <a:r>
+              <a:rPr lang="en-US" dirty="0" err="1"/>
+              <a:t>sağlamak</a:t>
+            </a:r>
+            <a:r>
+              <a:rPr lang="en-US" dirty="0"/>
+              <a:t> </a:t>
+            </a:r>
+            <a:r>
+              <a:rPr lang="en-US" dirty="0" err="1"/>
+              <a:t>için</a:t>
+            </a:r>
+            <a:r>
+              <a:rPr lang="en-US" dirty="0"/>
+              <a:t> </a:t>
+            </a:r>
+            <a:r>
+              <a:rPr lang="en-US" dirty="0" err="1"/>
+              <a:t>güvenlik</a:t>
+            </a:r>
+            <a:r>
+              <a:rPr lang="en-US" dirty="0"/>
+              <a:t> </a:t>
+            </a:r>
+            <a:r>
+              <a:rPr lang="en-US" dirty="0" err="1"/>
+              <a:t>önlemlerini</a:t>
+            </a:r>
+            <a:r>
+              <a:rPr lang="en-US" dirty="0"/>
+              <a:t> </a:t>
+            </a:r>
+            <a:r>
+              <a:rPr lang="en-US" dirty="0" err="1"/>
+              <a:t>tasarlar</a:t>
+            </a:r>
+            <a:r>
+              <a:rPr lang="en-US" dirty="0"/>
+              <a:t> </a:t>
+            </a:r>
+            <a:r>
+              <a:rPr lang="en-US" dirty="0" err="1"/>
+              <a:t>ve</a:t>
+            </a:r>
+            <a:r>
+              <a:rPr lang="en-US" dirty="0"/>
+              <a:t> </a:t>
+            </a:r>
+            <a:r>
+              <a:rPr lang="en-US" dirty="0" err="1"/>
+              <a:t>uygular</a:t>
+            </a:r>
+            <a:r>
+              <a:rPr lang="en-US" dirty="0"/>
+              <a:t>. </a:t>
+            </a:r>
+            <a:r>
+              <a:rPr lang="en-US" dirty="0" err="1"/>
+              <a:t>Sızma</a:t>
+            </a:r>
+            <a:r>
+              <a:rPr lang="en-US" dirty="0"/>
+              <a:t> </a:t>
+            </a:r>
+            <a:r>
+              <a:rPr lang="en-US" dirty="0" err="1"/>
+              <a:t>testleri</a:t>
+            </a:r>
+            <a:r>
+              <a:rPr lang="en-US" dirty="0"/>
+              <a:t> </a:t>
+            </a:r>
+            <a:r>
+              <a:rPr lang="en-US" dirty="0" err="1"/>
+              <a:t>yaparak</a:t>
+            </a:r>
+            <a:r>
+              <a:rPr lang="en-US" dirty="0"/>
+              <a:t> </a:t>
+            </a:r>
+            <a:r>
+              <a:rPr lang="en-US" dirty="0" err="1"/>
+              <a:t>yazılımın</a:t>
+            </a:r>
+            <a:r>
+              <a:rPr lang="en-US" dirty="0"/>
+              <a:t> </a:t>
+            </a:r>
+            <a:r>
+              <a:rPr lang="en-US" dirty="0" err="1"/>
+              <a:t>zayıf</a:t>
+            </a:r>
+            <a:r>
+              <a:rPr lang="en-US" dirty="0"/>
+              <a:t> </a:t>
+            </a:r>
+            <a:r>
+              <a:rPr lang="en-US" dirty="0" err="1"/>
+              <a:t>noktalarını</a:t>
+            </a:r>
+            <a:r>
+              <a:rPr lang="en-US" dirty="0"/>
+              <a:t> </a:t>
+            </a:r>
+            <a:r>
+              <a:rPr lang="en-US" dirty="0" err="1"/>
+              <a:t>tespit</a:t>
+            </a:r>
+            <a:r>
+              <a:rPr lang="en-US" dirty="0"/>
+              <a:t> </a:t>
+            </a:r>
+            <a:r>
+              <a:rPr lang="en-US" dirty="0" err="1"/>
+              <a:t>eder</a:t>
+            </a:r>
+            <a:r>
+              <a:rPr lang="en-US" dirty="0"/>
+              <a:t> </a:t>
+            </a:r>
+            <a:r>
+              <a:rPr lang="en-US" dirty="0" err="1"/>
+              <a:t>ve</a:t>
+            </a:r>
+            <a:r>
+              <a:rPr lang="en-US" dirty="0"/>
+              <a:t> </a:t>
+            </a:r>
+            <a:r>
+              <a:rPr lang="en-US" dirty="0" err="1"/>
+              <a:t>güvenlik</a:t>
+            </a:r>
+            <a:r>
+              <a:rPr lang="en-US" dirty="0"/>
+              <a:t> </a:t>
+            </a:r>
+            <a:r>
+              <a:rPr lang="en-US" dirty="0" err="1"/>
+              <a:t>açıklarını</a:t>
+            </a:r>
+            <a:r>
+              <a:rPr lang="en-US" dirty="0"/>
+              <a:t> </a:t>
+            </a:r>
+            <a:r>
+              <a:rPr lang="en-US" dirty="0" err="1"/>
+              <a:t>giderir</a:t>
+            </a:r>
+            <a:r>
+              <a:rPr lang="en-US" dirty="0"/>
+              <a:t>. </a:t>
+            </a:r>
+            <a:r>
+              <a:rPr lang="en-US" dirty="0" err="1"/>
+              <a:t>Güvenlik</a:t>
+            </a:r>
+            <a:r>
+              <a:rPr lang="en-US" dirty="0"/>
+              <a:t> </a:t>
+            </a:r>
+            <a:r>
+              <a:rPr lang="en-US" dirty="0" err="1"/>
+              <a:t>standartlarına</a:t>
+            </a:r>
+            <a:r>
+              <a:rPr lang="en-US" dirty="0"/>
+              <a:t> </a:t>
+            </a:r>
+            <a:r>
+              <a:rPr lang="en-US" dirty="0" err="1"/>
+              <a:t>uyum</a:t>
+            </a:r>
+            <a:r>
+              <a:rPr lang="en-US" dirty="0"/>
+              <a:t> </a:t>
+            </a:r>
+            <a:r>
+              <a:rPr lang="en-US" dirty="0" err="1"/>
+              <a:t>sağlar</a:t>
+            </a:r>
+            <a:r>
+              <a:rPr lang="en-US" dirty="0"/>
+              <a:t> </a:t>
+            </a:r>
+            <a:r>
+              <a:rPr lang="en-US" dirty="0" err="1"/>
+              <a:t>ve</a:t>
+            </a:r>
+            <a:r>
+              <a:rPr lang="en-US" dirty="0"/>
+              <a:t> </a:t>
+            </a:r>
+            <a:r>
+              <a:rPr lang="en-US" dirty="0" err="1"/>
+              <a:t>yazılımın</a:t>
+            </a:r>
+            <a:r>
+              <a:rPr lang="en-US" dirty="0"/>
+              <a:t> </a:t>
+            </a:r>
+            <a:r>
+              <a:rPr lang="en-US" dirty="0" err="1"/>
+              <a:t>güvenli</a:t>
+            </a:r>
+            <a:r>
+              <a:rPr lang="en-US" dirty="0"/>
+              <a:t> </a:t>
+            </a:r>
+            <a:r>
+              <a:rPr lang="en-US" dirty="0" err="1"/>
+              <a:t>bir</a:t>
+            </a:r>
+            <a:r>
+              <a:rPr lang="en-US" dirty="0"/>
+              <a:t> </a:t>
+            </a:r>
+            <a:r>
+              <a:rPr lang="en-US" dirty="0" err="1"/>
+              <a:t>şekilde</a:t>
+            </a:r>
+            <a:r>
+              <a:rPr lang="en-US" dirty="0"/>
+              <a:t> </a:t>
+            </a:r>
+            <a:r>
+              <a:rPr lang="en-US" dirty="0" err="1"/>
+              <a:t>dağıtılmasını</a:t>
+            </a:r>
+            <a:r>
+              <a:rPr lang="en-US" dirty="0"/>
+              <a:t> </a:t>
+            </a:r>
+            <a:r>
+              <a:rPr lang="en-US" dirty="0" err="1"/>
+              <a:t>sağlar</a:t>
+            </a:r>
+            <a:r>
+              <a:rPr lang="en-US" dirty="0"/>
+              <a:t>.</a:t>
+            </a:r>
+          </a:p>
+          <a:p>
+            <a:r>
+              <a:rPr lang="en-US" dirty="0" err="1"/>
+              <a:t>İşbirliği</a:t>
+            </a:r>
+            <a:r>
+              <a:rPr lang="en-US" dirty="0"/>
+              <a:t> </a:t>
+            </a:r>
+            <a:r>
+              <a:rPr lang="en-US" dirty="0" err="1"/>
+              <a:t>ve</a:t>
+            </a:r>
+            <a:r>
+              <a:rPr lang="en-US" dirty="0"/>
+              <a:t> </a:t>
+            </a:r>
+            <a:r>
+              <a:rPr lang="en-US" dirty="0" err="1"/>
+              <a:t>Ekip</a:t>
+            </a:r>
+            <a:r>
+              <a:rPr lang="en-US" dirty="0"/>
+              <a:t> </a:t>
+            </a:r>
+            <a:r>
+              <a:rPr lang="en-US" dirty="0" err="1"/>
+              <a:t>Çalışması</a:t>
+            </a:r>
+            <a:r>
+              <a:rPr lang="en-US" dirty="0"/>
+              <a:t>: DevOps </a:t>
+            </a:r>
+            <a:r>
+              <a:rPr lang="en-US" dirty="0" err="1"/>
+              <a:t>mühendisi</a:t>
+            </a:r>
+            <a:r>
+              <a:rPr lang="en-US" dirty="0"/>
+              <a:t>, </a:t>
+            </a:r>
+            <a:r>
+              <a:rPr lang="en-US" dirty="0" err="1"/>
+              <a:t>farklı</a:t>
+            </a:r>
+            <a:r>
+              <a:rPr lang="en-US" dirty="0"/>
+              <a:t> </a:t>
+            </a:r>
+            <a:r>
+              <a:rPr lang="en-US" dirty="0" err="1"/>
+              <a:t>ekipler</a:t>
+            </a:r>
+            <a:r>
+              <a:rPr lang="en-US" dirty="0"/>
+              <a:t> </a:t>
+            </a:r>
+            <a:r>
+              <a:rPr lang="en-US" dirty="0" err="1"/>
+              <a:t>arasında</a:t>
+            </a:r>
+            <a:r>
+              <a:rPr lang="en-US" dirty="0"/>
+              <a:t> </a:t>
+            </a:r>
+            <a:r>
+              <a:rPr lang="en-US" dirty="0" err="1"/>
+              <a:t>etkili</a:t>
+            </a:r>
+            <a:r>
+              <a:rPr lang="en-US" dirty="0"/>
+              <a:t> </a:t>
+            </a:r>
+            <a:r>
+              <a:rPr lang="en-US" dirty="0" err="1"/>
+              <a:t>iletişim</a:t>
+            </a:r>
+            <a:r>
+              <a:rPr lang="en-US" dirty="0"/>
+              <a:t> </a:t>
+            </a:r>
+            <a:r>
+              <a:rPr lang="en-US" dirty="0" err="1"/>
+              <a:t>ve</a:t>
+            </a:r>
+            <a:r>
+              <a:rPr lang="en-US" dirty="0"/>
+              <a:t> </a:t>
+            </a:r>
+            <a:r>
+              <a:rPr lang="en-US" dirty="0" err="1"/>
+              <a:t>işbirliğini</a:t>
+            </a:r>
+            <a:r>
+              <a:rPr lang="en-US" dirty="0"/>
+              <a:t> </a:t>
+            </a:r>
+            <a:r>
+              <a:rPr lang="en-US" dirty="0" err="1"/>
+              <a:t>sağlar</a:t>
+            </a:r>
+            <a:r>
+              <a:rPr lang="en-US" dirty="0"/>
+              <a:t>. </a:t>
+            </a:r>
+            <a:r>
+              <a:rPr lang="en-US" dirty="0" err="1"/>
+              <a:t>Geliştirme</a:t>
+            </a:r>
+            <a:r>
+              <a:rPr lang="en-US" dirty="0"/>
+              <a:t>, test, </a:t>
+            </a:r>
+            <a:r>
+              <a:rPr lang="en-US" dirty="0" err="1"/>
+              <a:t>operasyon</a:t>
+            </a:r>
+            <a:r>
+              <a:rPr lang="en-US" dirty="0"/>
+              <a:t> </a:t>
+            </a:r>
+            <a:r>
+              <a:rPr lang="en-US" dirty="0" err="1"/>
+              <a:t>ve</a:t>
+            </a:r>
+            <a:r>
+              <a:rPr lang="en-US" dirty="0"/>
+              <a:t> </a:t>
+            </a:r>
+            <a:r>
+              <a:rPr lang="en-US" dirty="0" err="1"/>
+              <a:t>diğer</a:t>
+            </a:r>
+            <a:r>
+              <a:rPr lang="en-US" dirty="0"/>
+              <a:t> </a:t>
+            </a:r>
+            <a:r>
+              <a:rPr lang="en-US" dirty="0" err="1"/>
+              <a:t>paydaşlar</a:t>
+            </a:r>
+            <a:r>
+              <a:rPr lang="en-US" dirty="0"/>
+              <a:t> </a:t>
+            </a:r>
+            <a:r>
+              <a:rPr lang="en-US" dirty="0" err="1"/>
+              <a:t>arasında</a:t>
+            </a:r>
+            <a:r>
+              <a:rPr lang="en-US" dirty="0"/>
+              <a:t> </a:t>
+            </a:r>
+            <a:r>
+              <a:rPr lang="en-US" dirty="0" err="1"/>
+              <a:t>koordinasyonu</a:t>
+            </a:r>
+            <a:r>
+              <a:rPr lang="en-US" dirty="0"/>
+              <a:t> </a:t>
+            </a:r>
+            <a:r>
+              <a:rPr lang="en-US" dirty="0" err="1"/>
+              <a:t>yönetir</a:t>
+            </a:r>
+            <a:r>
+              <a:rPr lang="en-US" dirty="0"/>
+              <a:t>. </a:t>
+            </a:r>
+            <a:r>
+              <a:rPr lang="en-US" dirty="0" err="1"/>
+              <a:t>Proje</a:t>
+            </a:r>
+            <a:r>
+              <a:rPr lang="en-US" dirty="0"/>
+              <a:t> </a:t>
+            </a:r>
+            <a:r>
+              <a:rPr lang="en-US" dirty="0" err="1"/>
+              <a:t>yönetimi</a:t>
+            </a:r>
+            <a:r>
+              <a:rPr lang="en-US" dirty="0"/>
+              <a:t> </a:t>
+            </a:r>
+            <a:r>
+              <a:rPr lang="en-US" dirty="0" err="1"/>
+              <a:t>süreçlerine</a:t>
+            </a:r>
+            <a:r>
+              <a:rPr lang="en-US" dirty="0"/>
+              <a:t> </a:t>
+            </a:r>
+            <a:r>
+              <a:rPr lang="en-US" dirty="0" err="1"/>
+              <a:t>katkıda</a:t>
+            </a:r>
+            <a:r>
+              <a:rPr lang="en-US" dirty="0"/>
+              <a:t> </a:t>
+            </a:r>
+            <a:r>
+              <a:rPr lang="en-US" dirty="0" err="1"/>
+              <a:t>bulunur</a:t>
+            </a:r>
+            <a:r>
+              <a:rPr lang="en-US" dirty="0"/>
+              <a:t> </a:t>
+            </a:r>
+            <a:r>
+              <a:rPr lang="en-US" dirty="0" err="1"/>
+              <a:t>ve</a:t>
+            </a:r>
+            <a:r>
+              <a:rPr lang="en-US" dirty="0"/>
+              <a:t> </a:t>
+            </a:r>
+            <a:r>
+              <a:rPr lang="en-US" dirty="0" err="1"/>
+              <a:t>ekiplerin</a:t>
+            </a:r>
+            <a:r>
+              <a:rPr lang="en-US" dirty="0"/>
+              <a:t> </a:t>
+            </a:r>
+            <a:r>
+              <a:rPr lang="en-US" dirty="0" err="1"/>
+              <a:t>birlikte</a:t>
+            </a:r>
+            <a:r>
+              <a:rPr lang="en-US" dirty="0"/>
+              <a:t> </a:t>
+            </a:r>
+            <a:r>
+              <a:rPr lang="en-US" dirty="0" err="1"/>
+              <a:t>çalışmasını</a:t>
+            </a:r>
+            <a:r>
+              <a:rPr lang="en-US" dirty="0"/>
+              <a:t> </a:t>
+            </a:r>
+            <a:r>
+              <a:rPr lang="en-US" dirty="0" err="1"/>
+              <a:t>destekler</a:t>
+            </a:r>
+            <a:r>
+              <a:rPr lang="en-US" dirty="0"/>
+              <a:t>.</a:t>
+            </a:r>
+          </a:p>
+          <a:p>
+            <a:r>
+              <a:rPr lang="en-US" dirty="0"/>
+              <a:t>DevOps </a:t>
+            </a:r>
+            <a:r>
+              <a:rPr lang="en-US" dirty="0" err="1"/>
+              <a:t>mühendisi</a:t>
+            </a:r>
+            <a:r>
+              <a:rPr lang="en-US" dirty="0"/>
+              <a:t>, SDLC </a:t>
+            </a:r>
+            <a:r>
+              <a:rPr lang="en-US" dirty="0" err="1"/>
+              <a:t>sürecinde</a:t>
+            </a:r>
+            <a:r>
+              <a:rPr lang="en-US" dirty="0"/>
+              <a:t> </a:t>
+            </a:r>
+            <a:r>
+              <a:rPr lang="en-US" dirty="0" err="1"/>
+              <a:t>otomasyon</a:t>
+            </a:r>
+            <a:r>
+              <a:rPr lang="en-US" dirty="0"/>
+              <a:t>, </a:t>
+            </a:r>
+            <a:r>
+              <a:rPr lang="en-US" dirty="0" err="1"/>
+              <a:t>süreklilik</a:t>
+            </a:r>
+            <a:r>
+              <a:rPr lang="en-US" dirty="0"/>
+              <a:t>, </a:t>
+            </a:r>
+            <a:r>
+              <a:rPr lang="en-US" dirty="0" err="1"/>
+              <a:t>hızlı</a:t>
+            </a:r>
+            <a:r>
+              <a:rPr lang="en-US" dirty="0"/>
+              <a:t> </a:t>
+            </a:r>
+            <a:r>
+              <a:rPr lang="en-US" dirty="0" err="1"/>
+              <a:t>teslimat</a:t>
+            </a:r>
+            <a:r>
+              <a:rPr lang="en-US" dirty="0"/>
+              <a:t> </a:t>
+            </a:r>
+            <a:r>
+              <a:rPr lang="en-US" dirty="0" err="1"/>
+              <a:t>ve</a:t>
+            </a:r>
+            <a:r>
+              <a:rPr lang="en-US" dirty="0"/>
+              <a:t> </a:t>
+            </a:r>
+            <a:r>
+              <a:rPr lang="en-US" dirty="0" err="1"/>
+              <a:t>işbirliği</a:t>
+            </a:r>
+            <a:r>
+              <a:rPr lang="en-US" dirty="0"/>
+              <a:t> </a:t>
+            </a:r>
+            <a:r>
+              <a:rPr lang="en-US" dirty="0" err="1"/>
+              <a:t>gibi</a:t>
+            </a:r>
+            <a:r>
+              <a:rPr lang="en-US" dirty="0"/>
+              <a:t> </a:t>
+            </a:r>
+            <a:r>
+              <a:rPr lang="en-US" dirty="0" err="1"/>
+              <a:t>prensipleri</a:t>
+            </a:r>
+            <a:r>
+              <a:rPr lang="en-US" dirty="0"/>
+              <a:t> </a:t>
+            </a:r>
+            <a:r>
+              <a:rPr lang="en-US" dirty="0" err="1"/>
+              <a:t>benimseyerek</a:t>
+            </a:r>
+            <a:r>
+              <a:rPr lang="en-US" dirty="0"/>
+              <a:t> </a:t>
+            </a:r>
+            <a:r>
+              <a:rPr lang="en-US" dirty="0" err="1"/>
+              <a:t>yazılımın</a:t>
+            </a:r>
+            <a:r>
+              <a:rPr lang="en-US" dirty="0"/>
+              <a:t> </a:t>
+            </a:r>
+            <a:r>
+              <a:rPr lang="en-US" dirty="0" err="1"/>
+              <a:t>başarılı</a:t>
+            </a:r>
+            <a:r>
+              <a:rPr lang="en-US" dirty="0"/>
+              <a:t> </a:t>
+            </a:r>
+            <a:r>
+              <a:rPr lang="en-US" dirty="0" err="1"/>
+              <a:t>bir</a:t>
+            </a:r>
+            <a:r>
+              <a:rPr lang="en-US" dirty="0"/>
+              <a:t> </a:t>
+            </a:r>
+            <a:r>
+              <a:rPr lang="en-US" dirty="0" err="1"/>
+              <a:t>şekilde</a:t>
+            </a:r>
+            <a:r>
+              <a:rPr lang="en-US" dirty="0"/>
+              <a:t> </a:t>
+            </a:r>
+            <a:r>
+              <a:rPr lang="en-US" dirty="0" err="1"/>
+              <a:t>geliştirilmesini</a:t>
+            </a:r>
+            <a:r>
+              <a:rPr lang="en-US" dirty="0"/>
+              <a:t> </a:t>
+            </a:r>
+            <a:r>
+              <a:rPr lang="en-US" dirty="0" err="1"/>
+              <a:t>ve</a:t>
+            </a:r>
+            <a:r>
+              <a:rPr lang="en-US" dirty="0"/>
+              <a:t> </a:t>
+            </a:r>
+            <a:r>
+              <a:rPr lang="en-US" dirty="0" err="1"/>
+              <a:t>dağıtılmasını</a:t>
+            </a:r>
+            <a:r>
+              <a:rPr lang="en-US" dirty="0"/>
+              <a:t> </a:t>
+            </a:r>
+            <a:r>
+              <a:rPr lang="en-US" dirty="0" err="1"/>
+              <a:t>sağlar</a:t>
+            </a:r>
+            <a:r>
+              <a:rPr lang="en-US" dirty="0"/>
+              <a:t>.</a:t>
+            </a:r>
+            <a:endParaRPr lang="en-TR" dirty="0"/>
+          </a:p>
+        </p:txBody>
+      </p:sp>
+    </p:spTree>
+    <p:extLst>
+      <p:ext uri="{BB962C8B-B14F-4D97-AF65-F5344CB8AC3E}">
+        <p14:creationId xmlns:p14="http://schemas.microsoft.com/office/powerpoint/2010/main" val="3679264918"/>
+      </p:ext>
+    </p:extLst>
+  </p:cSld>
+  <p:clrMapOvr>
+    <a:masterClrMapping/>
+  </p:clrMapOvr>
+</p:sld>
+</file>
+
 <file path=ppt/slides/slide3.xml><?xml version="1.0" encoding="utf-8"?>
 <p:sld xmlns:a="http://schemas.openxmlformats.org/drawingml/2006/main" xmlns:r="http://schemas.openxmlformats.org/officeDocument/2006/relationships" xmlns:p="http://schemas.openxmlformats.org/presentationml/2006/main">
   <p:cSld>
